--- a/RFM Analysis/RFM Analysis.pptx
+++ b/RFM Analysis/RFM Analysis.pptx
@@ -5,7 +5,7 @@
     <p:sldMasterId id="2147483648" r:id="rId1"/>
   </p:sldMasterIdLst>
   <p:notesMasterIdLst>
-    <p:notesMasterId r:id="rId14"/>
+    <p:notesMasterId r:id="rId9"/>
   </p:notesMasterIdLst>
   <p:sldIdLst>
     <p:sldId id="256" r:id="rId2"/>
@@ -13,13 +13,8 @@
     <p:sldId id="258" r:id="rId4"/>
     <p:sldId id="262" r:id="rId5"/>
     <p:sldId id="259" r:id="rId6"/>
-    <p:sldId id="260" r:id="rId7"/>
-    <p:sldId id="263" r:id="rId8"/>
-    <p:sldId id="264" r:id="rId9"/>
-    <p:sldId id="265" r:id="rId10"/>
-    <p:sldId id="266" r:id="rId11"/>
-    <p:sldId id="261" r:id="rId12"/>
-    <p:sldId id="267" r:id="rId13"/>
+    <p:sldId id="261" r:id="rId7"/>
+    <p:sldId id="267" r:id="rId8"/>
   </p:sldIdLst>
   <p:sldSz cx="12192000" cy="6858000"/>
   <p:notesSz cx="6858000" cy="9144000"/>
@@ -208,7 +203,7 @@
           <a:p>
             <a:fld id="{FC5621B1-C02D-4612-92C8-74EAFCE4479D}" type="datetimeFigureOut">
               <a:rPr lang="en-NG" smtClean="0"/>
-              <a:t>20/11/2024</a:t>
+              <a:t>30/11/2024</a:t>
             </a:fld>
             <a:endParaRPr lang="en-NG"/>
           </a:p>
@@ -476,90 +471,6 @@
 </p:notesMaster>
 </file>
 
-<file path=ppt/notesSlides/notesSlide1.xml><?xml version="1.0" encoding="utf-8"?>
-<p:notes xmlns:a="http://schemas.openxmlformats.org/drawingml/2006/main" xmlns:r="http://schemas.openxmlformats.org/officeDocument/2006/relationships" xmlns:p="http://schemas.openxmlformats.org/presentationml/2006/main">
-  <p:cSld>
-    <p:spTree>
-      <p:nvGrpSpPr>
-        <p:cNvPr id="1" name=""/>
-        <p:cNvGrpSpPr/>
-        <p:nvPr/>
-      </p:nvGrpSpPr>
-      <p:grpSpPr>
-        <a:xfrm>
-          <a:off x="0" y="0"/>
-          <a:ext cx="0" cy="0"/>
-          <a:chOff x="0" y="0"/>
-          <a:chExt cx="0" cy="0"/>
-        </a:xfrm>
-      </p:grpSpPr>
-      <p:sp>
-        <p:nvSpPr>
-          <p:cNvPr id="2" name="Slide Image Placeholder 1"/>
-          <p:cNvSpPr>
-            <a:spLocks noGrp="1" noRot="1" noChangeAspect="1"/>
-          </p:cNvSpPr>
-          <p:nvPr>
-            <p:ph type="sldImg"/>
-          </p:nvPr>
-        </p:nvSpPr>
-        <p:spPr/>
-      </p:sp>
-      <p:sp>
-        <p:nvSpPr>
-          <p:cNvPr id="3" name="Notes Placeholder 2"/>
-          <p:cNvSpPr>
-            <a:spLocks noGrp="1"/>
-          </p:cNvSpPr>
-          <p:nvPr>
-            <p:ph type="body" idx="1"/>
-          </p:nvPr>
-        </p:nvSpPr>
-        <p:spPr/>
-        <p:txBody>
-          <a:bodyPr/>
-          <a:lstStyle/>
-          <a:p>
-            <a:endParaRPr lang="en-NG" dirty="0"/>
-          </a:p>
-        </p:txBody>
-      </p:sp>
-      <p:sp>
-        <p:nvSpPr>
-          <p:cNvPr id="4" name="Slide Number Placeholder 3"/>
-          <p:cNvSpPr>
-            <a:spLocks noGrp="1"/>
-          </p:cNvSpPr>
-          <p:nvPr>
-            <p:ph type="sldNum" sz="quarter" idx="5"/>
-          </p:nvPr>
-        </p:nvSpPr>
-        <p:spPr/>
-        <p:txBody>
-          <a:bodyPr/>
-          <a:lstStyle/>
-          <a:p>
-            <a:fld id="{15514235-7743-4AE1-B7B9-9060FA0B2888}" type="slidenum">
-              <a:rPr lang="en-NG" smtClean="0"/>
-              <a:t>10</a:t>
-            </a:fld>
-            <a:endParaRPr lang="en-NG"/>
-          </a:p>
-        </p:txBody>
-      </p:sp>
-    </p:spTree>
-    <p:extLst>
-      <p:ext uri="{BB962C8B-B14F-4D97-AF65-F5344CB8AC3E}">
-        <p14:creationId xmlns:p14="http://schemas.microsoft.com/office/powerpoint/2010/main" val="2918385201"/>
-      </p:ext>
-    </p:extLst>
-  </p:cSld>
-  <p:clrMapOvr>
-    <a:masterClrMapping/>
-  </p:clrMapOvr>
-</p:notes>
-</file>
-
 <file path=ppt/slideLayouts/slideLayout1.xml><?xml version="1.0" encoding="utf-8"?>
 <p:sldLayout xmlns:a="http://schemas.openxmlformats.org/drawingml/2006/main" xmlns:r="http://schemas.openxmlformats.org/officeDocument/2006/relationships" xmlns:p="http://schemas.openxmlformats.org/presentationml/2006/main" type="title" preserve="1">
   <p:cSld name="Title Slide">
@@ -709,7 +620,7 @@
           <a:p>
             <a:fld id="{04CEBF87-D8C2-433B-9D7B-7333F8D16B80}" type="datetimeFigureOut">
               <a:rPr lang="en-NG" smtClean="0"/>
-              <a:t>20/11/2024</a:t>
+              <a:t>30/11/2024</a:t>
             </a:fld>
             <a:endParaRPr lang="en-NG"/>
           </a:p>
@@ -909,7 +820,7 @@
           <a:p>
             <a:fld id="{04CEBF87-D8C2-433B-9D7B-7333F8D16B80}" type="datetimeFigureOut">
               <a:rPr lang="en-NG" smtClean="0"/>
-              <a:t>20/11/2024</a:t>
+              <a:t>30/11/2024</a:t>
             </a:fld>
             <a:endParaRPr lang="en-NG"/>
           </a:p>
@@ -1119,7 +1030,7 @@
           <a:p>
             <a:fld id="{04CEBF87-D8C2-433B-9D7B-7333F8D16B80}" type="datetimeFigureOut">
               <a:rPr lang="en-NG" smtClean="0"/>
-              <a:t>20/11/2024</a:t>
+              <a:t>30/11/2024</a:t>
             </a:fld>
             <a:endParaRPr lang="en-NG"/>
           </a:p>
@@ -1394,7 +1305,7 @@
           <a:p>
             <a:fld id="{04CEBF87-D8C2-433B-9D7B-7333F8D16B80}" type="datetimeFigureOut">
               <a:rPr lang="en-NG" smtClean="0"/>
-              <a:t>20/11/2024</a:t>
+              <a:t>30/11/2024</a:t>
             </a:fld>
             <a:endParaRPr lang="en-NG"/>
           </a:p>
@@ -1670,7 +1581,7 @@
           <a:p>
             <a:fld id="{04CEBF87-D8C2-433B-9D7B-7333F8D16B80}" type="datetimeFigureOut">
               <a:rPr lang="en-NG" smtClean="0"/>
-              <a:t>20/11/2024</a:t>
+              <a:t>30/11/2024</a:t>
             </a:fld>
             <a:endParaRPr lang="en-NG"/>
           </a:p>
@@ -1938,7 +1849,7 @@
           <a:p>
             <a:fld id="{04CEBF87-D8C2-433B-9D7B-7333F8D16B80}" type="datetimeFigureOut">
               <a:rPr lang="en-NG" smtClean="0"/>
-              <a:t>20/11/2024</a:t>
+              <a:t>30/11/2024</a:t>
             </a:fld>
             <a:endParaRPr lang="en-NG"/>
           </a:p>
@@ -2353,7 +2264,7 @@
           <a:p>
             <a:fld id="{04CEBF87-D8C2-433B-9D7B-7333F8D16B80}" type="datetimeFigureOut">
               <a:rPr lang="en-NG" smtClean="0"/>
-              <a:t>20/11/2024</a:t>
+              <a:t>30/11/2024</a:t>
             </a:fld>
             <a:endParaRPr lang="en-NG"/>
           </a:p>
@@ -2495,7 +2406,7 @@
           <a:p>
             <a:fld id="{04CEBF87-D8C2-433B-9D7B-7333F8D16B80}" type="datetimeFigureOut">
               <a:rPr lang="en-NG" smtClean="0"/>
-              <a:t>20/11/2024</a:t>
+              <a:t>30/11/2024</a:t>
             </a:fld>
             <a:endParaRPr lang="en-NG"/>
           </a:p>
@@ -2608,7 +2519,7 @@
           <a:p>
             <a:fld id="{04CEBF87-D8C2-433B-9D7B-7333F8D16B80}" type="datetimeFigureOut">
               <a:rPr lang="en-NG" smtClean="0"/>
-              <a:t>20/11/2024</a:t>
+              <a:t>30/11/2024</a:t>
             </a:fld>
             <a:endParaRPr lang="en-NG"/>
           </a:p>
@@ -2921,7 +2832,7 @@
           <a:p>
             <a:fld id="{04CEBF87-D8C2-433B-9D7B-7333F8D16B80}" type="datetimeFigureOut">
               <a:rPr lang="en-NG" smtClean="0"/>
-              <a:t>20/11/2024</a:t>
+              <a:t>30/11/2024</a:t>
             </a:fld>
             <a:endParaRPr lang="en-NG"/>
           </a:p>
@@ -3210,7 +3121,7 @@
           <a:p>
             <a:fld id="{04CEBF87-D8C2-433B-9D7B-7333F8D16B80}" type="datetimeFigureOut">
               <a:rPr lang="en-NG" smtClean="0"/>
-              <a:t>20/11/2024</a:t>
+              <a:t>30/11/2024</a:t>
             </a:fld>
             <a:endParaRPr lang="en-NG"/>
           </a:p>
@@ -3453,7 +3364,7 @@
           <a:p>
             <a:fld id="{04CEBF87-D8C2-433B-9D7B-7333F8D16B80}" type="datetimeFigureOut">
               <a:rPr lang="en-NG" smtClean="0"/>
-              <a:t>20/11/2024</a:t>
+              <a:t>30/11/2024</a:t>
             </a:fld>
             <a:endParaRPr lang="en-NG"/>
           </a:p>
@@ -4112,917 +4023,6 @@
 </p:sld>
 </file>
 
-<file path=ppt/slides/slide10.xml><?xml version="1.0" encoding="utf-8"?>
-<p:sld xmlns:a="http://schemas.openxmlformats.org/drawingml/2006/main" xmlns:r="http://schemas.openxmlformats.org/officeDocument/2006/relationships" xmlns:p="http://schemas.openxmlformats.org/presentationml/2006/main">
-  <p:cSld>
-    <p:spTree>
-      <p:nvGrpSpPr>
-        <p:cNvPr id="1" name="">
-          <a:extLst>
-            <a:ext uri="{FF2B5EF4-FFF2-40B4-BE49-F238E27FC236}">
-              <a16:creationId xmlns:a16="http://schemas.microsoft.com/office/drawing/2014/main" id="{C81C88EE-6140-BE23-D75B-DBF199A94823}"/>
-            </a:ext>
-          </a:extLst>
-        </p:cNvPr>
-        <p:cNvGrpSpPr/>
-        <p:nvPr/>
-      </p:nvGrpSpPr>
-      <p:grpSpPr>
-        <a:xfrm>
-          <a:off x="0" y="0"/>
-          <a:ext cx="0" cy="0"/>
-          <a:chOff x="0" y="0"/>
-          <a:chExt cx="0" cy="0"/>
-        </a:xfrm>
-      </p:grpSpPr>
-      <p:sp>
-        <p:nvSpPr>
-          <p:cNvPr id="4" name="Rectangle 3">
-            <a:extLst>
-              <a:ext uri="{FF2B5EF4-FFF2-40B4-BE49-F238E27FC236}">
-                <a16:creationId xmlns:a16="http://schemas.microsoft.com/office/drawing/2014/main" id="{8A601AAA-1125-5CB8-A74B-A754C63DAE0D}"/>
-              </a:ext>
-            </a:extLst>
-          </p:cNvPr>
-          <p:cNvSpPr/>
-          <p:nvPr/>
-        </p:nvSpPr>
-        <p:spPr>
-          <a:xfrm>
-            <a:off x="0" y="0"/>
-            <a:ext cx="12192000" cy="845127"/>
-          </a:xfrm>
-          <a:prstGeom prst="rect">
-            <a:avLst/>
-          </a:prstGeom>
-          <a:solidFill>
-            <a:schemeClr val="bg2"/>
-          </a:solidFill>
-          <a:ln>
-            <a:noFill/>
-          </a:ln>
-        </p:spPr>
-        <p:style>
-          <a:lnRef idx="2">
-            <a:schemeClr val="accent1">
-              <a:shade val="15000"/>
-            </a:schemeClr>
-          </a:lnRef>
-          <a:fillRef idx="1">
-            <a:schemeClr val="accent1"/>
-          </a:fillRef>
-          <a:effectRef idx="0">
-            <a:schemeClr val="accent1"/>
-          </a:effectRef>
-          <a:fontRef idx="minor">
-            <a:schemeClr val="lt1"/>
-          </a:fontRef>
-        </p:style>
-        <p:txBody>
-          <a:bodyPr rtlCol="0" anchor="ctr"/>
-          <a:lstStyle/>
-          <a:p>
-            <a:pPr marL="0" marR="0" lvl="0" indent="0" algn="l" defTabSz="914400" rtl="0" eaLnBrk="1" fontAlgn="auto" latinLnBrk="0" hangingPunct="1">
-              <a:lnSpc>
-                <a:spcPct val="100000"/>
-              </a:lnSpc>
-              <a:spcBef>
-                <a:spcPts val="0"/>
-              </a:spcBef>
-              <a:spcAft>
-                <a:spcPts val="0"/>
-              </a:spcAft>
-              <a:buClrTx/>
-              <a:buSzTx/>
-              <a:buFontTx/>
-              <a:buNone/>
-              <a:tabLst/>
-              <a:defRPr/>
-            </a:pPr>
-            <a:endParaRPr kumimoji="0" lang="en-GB" sz="2800" b="1" i="0" u="none" strike="noStrike" kern="1200" cap="none" spc="0" normalizeH="0" baseline="0" noProof="0" dirty="0">
-              <a:ln>
-                <a:noFill/>
-              </a:ln>
-              <a:solidFill>
-                <a:prstClr val="black"/>
-              </a:solidFill>
-              <a:effectLst/>
-              <a:uLnTx/>
-              <a:uFillTx/>
-              <a:latin typeface="Segoe UI" panose="020B0502040204020203" pitchFamily="34" charset="0"/>
-              <a:cs typeface="Segoe UI" panose="020B0502040204020203" pitchFamily="34" charset="0"/>
-            </a:endParaRPr>
-          </a:p>
-        </p:txBody>
-      </p:sp>
-      <p:sp>
-        <p:nvSpPr>
-          <p:cNvPr id="5" name="TextBox 4">
-            <a:extLst>
-              <a:ext uri="{FF2B5EF4-FFF2-40B4-BE49-F238E27FC236}">
-                <a16:creationId xmlns:a16="http://schemas.microsoft.com/office/drawing/2014/main" id="{82F061A8-55EE-9B67-AB25-4277384B543E}"/>
-              </a:ext>
-            </a:extLst>
-          </p:cNvPr>
-          <p:cNvSpPr txBox="1"/>
-          <p:nvPr/>
-        </p:nvSpPr>
-        <p:spPr>
-          <a:xfrm>
-            <a:off x="561975" y="5426197"/>
-            <a:ext cx="11630025" cy="369332"/>
-          </a:xfrm>
-          <a:prstGeom prst="rect">
-            <a:avLst/>
-          </a:prstGeom>
-          <a:noFill/>
-        </p:spPr>
-        <p:txBody>
-          <a:bodyPr wrap="square" rtlCol="0">
-            <a:spAutoFit/>
-          </a:bodyPr>
-          <a:lstStyle/>
-          <a:p>
-            <a:r>
-              <a:rPr lang="en-GB" dirty="0">
-                <a:latin typeface="Segoe UI" panose="020B0502040204020203" pitchFamily="34" charset="0"/>
-                <a:cs typeface="Segoe UI" panose="020B0502040204020203" pitchFamily="34" charset="0"/>
-              </a:rPr>
-              <a:t>Opportunity to nurture into loyal buyers.</a:t>
-            </a:r>
-            <a:endParaRPr lang="en-NG" dirty="0">
-              <a:latin typeface="Segoe UI" panose="020B0502040204020203" pitchFamily="34" charset="0"/>
-              <a:cs typeface="Segoe UI" panose="020B0502040204020203" pitchFamily="34" charset="0"/>
-            </a:endParaRPr>
-          </a:p>
-        </p:txBody>
-      </p:sp>
-      <p:sp>
-        <p:nvSpPr>
-          <p:cNvPr id="6" name="Rectangle 5">
-            <a:extLst>
-              <a:ext uri="{FF2B5EF4-FFF2-40B4-BE49-F238E27FC236}">
-                <a16:creationId xmlns:a16="http://schemas.microsoft.com/office/drawing/2014/main" id="{95B9EC17-117B-AC06-BD4F-10EE405ED457}"/>
-              </a:ext>
-            </a:extLst>
-          </p:cNvPr>
-          <p:cNvSpPr/>
-          <p:nvPr/>
-        </p:nvSpPr>
-        <p:spPr>
-          <a:xfrm>
-            <a:off x="0" y="0"/>
-            <a:ext cx="12192000" cy="845127"/>
-          </a:xfrm>
-          <a:prstGeom prst="rect">
-            <a:avLst/>
-          </a:prstGeom>
-          <a:solidFill>
-            <a:schemeClr val="bg1">
-              <a:lumMod val="85000"/>
-            </a:schemeClr>
-          </a:solidFill>
-        </p:spPr>
-        <p:style>
-          <a:lnRef idx="2">
-            <a:schemeClr val="accent1">
-              <a:shade val="15000"/>
-            </a:schemeClr>
-          </a:lnRef>
-          <a:fillRef idx="1">
-            <a:schemeClr val="accent1"/>
-          </a:fillRef>
-          <a:effectRef idx="0">
-            <a:schemeClr val="accent1"/>
-          </a:effectRef>
-          <a:fontRef idx="minor">
-            <a:schemeClr val="lt1"/>
-          </a:fontRef>
-        </p:style>
-        <p:txBody>
-          <a:bodyPr rtlCol="0" anchor="ctr"/>
-          <a:lstStyle/>
-          <a:p>
-            <a:r>
-              <a:rPr lang="en-GB" sz="2800" b="1" dirty="0">
-                <a:solidFill>
-                  <a:schemeClr val="tx1"/>
-                </a:solidFill>
-                <a:latin typeface="Segoe UI" panose="020B0502040204020203" pitchFamily="34" charset="0"/>
-                <a:cs typeface="Segoe UI" panose="020B0502040204020203" pitchFamily="34" charset="0"/>
-              </a:rPr>
-              <a:t>Potential Loyalists</a:t>
-            </a:r>
-            <a:endParaRPr lang="en-NG" sz="2800" b="1" dirty="0">
-              <a:solidFill>
-                <a:schemeClr val="tx1"/>
-              </a:solidFill>
-              <a:latin typeface="Segoe UI" panose="020B0502040204020203" pitchFamily="34" charset="0"/>
-              <a:cs typeface="Segoe UI" panose="020B0502040204020203" pitchFamily="34" charset="0"/>
-            </a:endParaRPr>
-          </a:p>
-        </p:txBody>
-      </p:sp>
-      <p:pic>
-        <p:nvPicPr>
-          <p:cNvPr id="7" name="Picture 6">
-            <a:extLst>
-              <a:ext uri="{FF2B5EF4-FFF2-40B4-BE49-F238E27FC236}">
-                <a16:creationId xmlns:a16="http://schemas.microsoft.com/office/drawing/2014/main" id="{BE41A82F-F817-F344-E595-5700FDD8EC6E}"/>
-              </a:ext>
-            </a:extLst>
-          </p:cNvPr>
-          <p:cNvPicPr>
-            <a:picLocks noChangeAspect="1"/>
-          </p:cNvPicPr>
-          <p:nvPr/>
-        </p:nvPicPr>
-        <p:blipFill>
-          <a:blip r:embed="rId3">
-            <a:extLst>
-              <a:ext uri="{28A0092B-C50C-407E-A947-70E740481C1C}">
-                <a14:useLocalDpi xmlns:a14="http://schemas.microsoft.com/office/drawing/2010/main" val="0"/>
-              </a:ext>
-            </a:extLst>
-          </a:blip>
-          <a:srcRect l="6953" t="27084" r="6720" b="66250"/>
-          <a:stretch/>
-        </p:blipFill>
-        <p:spPr>
-          <a:xfrm>
-            <a:off x="847725" y="1857374"/>
-            <a:ext cx="10525126" cy="457201"/>
-          </a:xfrm>
-          <a:prstGeom prst="rect">
-            <a:avLst/>
-          </a:prstGeom>
-        </p:spPr>
-      </p:pic>
-      <p:pic>
-        <p:nvPicPr>
-          <p:cNvPr id="8" name="Picture 7">
-            <a:extLst>
-              <a:ext uri="{FF2B5EF4-FFF2-40B4-BE49-F238E27FC236}">
-                <a16:creationId xmlns:a16="http://schemas.microsoft.com/office/drawing/2014/main" id="{42D90637-2C00-12BE-A674-6323F2E2469A}"/>
-              </a:ext>
-            </a:extLst>
-          </p:cNvPr>
-          <p:cNvPicPr>
-            <a:picLocks noChangeAspect="1"/>
-          </p:cNvPicPr>
-          <p:nvPr/>
-        </p:nvPicPr>
-        <p:blipFill>
-          <a:blip r:embed="rId3">
-            <a:extLst>
-              <a:ext uri="{28A0092B-C50C-407E-A947-70E740481C1C}">
-                <a14:useLocalDpi xmlns:a14="http://schemas.microsoft.com/office/drawing/2010/main" val="0"/>
-              </a:ext>
-            </a:extLst>
-          </a:blip>
-          <a:srcRect l="7656" t="58778" r="12186" b="37083"/>
-          <a:stretch/>
-        </p:blipFill>
-        <p:spPr>
-          <a:xfrm>
-            <a:off x="933449" y="4030990"/>
-            <a:ext cx="9772651" cy="283835"/>
-          </a:xfrm>
-          <a:prstGeom prst="rect">
-            <a:avLst/>
-          </a:prstGeom>
-        </p:spPr>
-      </p:pic>
-    </p:spTree>
-    <p:extLst>
-      <p:ext uri="{BB962C8B-B14F-4D97-AF65-F5344CB8AC3E}">
-        <p14:creationId xmlns:p14="http://schemas.microsoft.com/office/powerpoint/2010/main" val="1117132364"/>
-      </p:ext>
-    </p:extLst>
-  </p:cSld>
-  <p:clrMapOvr>
-    <a:masterClrMapping/>
-  </p:clrMapOvr>
-</p:sld>
-</file>
-
-<file path=ppt/slides/slide11.xml><?xml version="1.0" encoding="utf-8"?>
-<p:sld xmlns:a="http://schemas.openxmlformats.org/drawingml/2006/main" xmlns:r="http://schemas.openxmlformats.org/officeDocument/2006/relationships" xmlns:p="http://schemas.openxmlformats.org/presentationml/2006/main">
-  <p:cSld>
-    <p:spTree>
-      <p:nvGrpSpPr>
-        <p:cNvPr id="1" name="">
-          <a:extLst>
-            <a:ext uri="{FF2B5EF4-FFF2-40B4-BE49-F238E27FC236}">
-              <a16:creationId xmlns:a16="http://schemas.microsoft.com/office/drawing/2014/main" id="{DC87DE01-14E5-E7D1-84AB-FF7B23A2497E}"/>
-            </a:ext>
-          </a:extLst>
-        </p:cNvPr>
-        <p:cNvGrpSpPr/>
-        <p:nvPr/>
-      </p:nvGrpSpPr>
-      <p:grpSpPr>
-        <a:xfrm>
-          <a:off x="0" y="0"/>
-          <a:ext cx="0" cy="0"/>
-          <a:chOff x="0" y="0"/>
-          <a:chExt cx="0" cy="0"/>
-        </a:xfrm>
-      </p:grpSpPr>
-      <p:sp>
-        <p:nvSpPr>
-          <p:cNvPr id="4" name="Rectangle 3">
-            <a:extLst>
-              <a:ext uri="{FF2B5EF4-FFF2-40B4-BE49-F238E27FC236}">
-                <a16:creationId xmlns:a16="http://schemas.microsoft.com/office/drawing/2014/main" id="{0168BF3E-CDF0-D410-819D-82B060C6040F}"/>
-              </a:ext>
-            </a:extLst>
-          </p:cNvPr>
-          <p:cNvSpPr/>
-          <p:nvPr/>
-        </p:nvSpPr>
-        <p:spPr>
-          <a:xfrm>
-            <a:off x="0" y="0"/>
-            <a:ext cx="12192000" cy="845127"/>
-          </a:xfrm>
-          <a:prstGeom prst="rect">
-            <a:avLst/>
-          </a:prstGeom>
-          <a:solidFill>
-            <a:schemeClr val="bg2"/>
-          </a:solidFill>
-          <a:ln>
-            <a:noFill/>
-          </a:ln>
-        </p:spPr>
-        <p:style>
-          <a:lnRef idx="2">
-            <a:schemeClr val="accent1">
-              <a:shade val="15000"/>
-            </a:schemeClr>
-          </a:lnRef>
-          <a:fillRef idx="1">
-            <a:schemeClr val="accent1"/>
-          </a:fillRef>
-          <a:effectRef idx="0">
-            <a:schemeClr val="accent1"/>
-          </a:effectRef>
-          <a:fontRef idx="minor">
-            <a:schemeClr val="lt1"/>
-          </a:fontRef>
-        </p:style>
-        <p:txBody>
-          <a:bodyPr rtlCol="0" anchor="ctr"/>
-          <a:lstStyle/>
-          <a:p>
-            <a:pPr marL="0" marR="0" lvl="0" indent="0" algn="l" defTabSz="914400" rtl="0" eaLnBrk="1" fontAlgn="auto" latinLnBrk="0" hangingPunct="1">
-              <a:lnSpc>
-                <a:spcPct val="100000"/>
-              </a:lnSpc>
-              <a:spcBef>
-                <a:spcPts val="0"/>
-              </a:spcBef>
-              <a:spcAft>
-                <a:spcPts val="0"/>
-              </a:spcAft>
-              <a:buClrTx/>
-              <a:buSzTx/>
-              <a:buFontTx/>
-              <a:buNone/>
-              <a:tabLst/>
-              <a:defRPr/>
-            </a:pPr>
-            <a:r>
-              <a:rPr kumimoji="0" lang="en-GB" sz="2800" b="1" i="0" u="none" strike="noStrike" kern="1200" cap="none" spc="0" normalizeH="0" baseline="0" noProof="0" dirty="0">
-                <a:ln>
-                  <a:noFill/>
-                </a:ln>
-                <a:solidFill>
-                  <a:prstClr val="black"/>
-                </a:solidFill>
-                <a:effectLst/>
-                <a:uLnTx/>
-                <a:uFillTx/>
-                <a:latin typeface="Segoe UI" panose="020B0502040204020203" pitchFamily="34" charset="0"/>
-                <a:cs typeface="Segoe UI" panose="020B0502040204020203" pitchFamily="34" charset="0"/>
-              </a:rPr>
-              <a:t>Recommendations and Conclusions</a:t>
-            </a:r>
-          </a:p>
-        </p:txBody>
-      </p:sp>
-      <p:sp>
-        <p:nvSpPr>
-          <p:cNvPr id="2" name="TextBox 1">
-            <a:extLst>
-              <a:ext uri="{FF2B5EF4-FFF2-40B4-BE49-F238E27FC236}">
-                <a16:creationId xmlns:a16="http://schemas.microsoft.com/office/drawing/2014/main" id="{C451F96C-E311-58D2-A8BB-9E4AC8224F1D}"/>
-              </a:ext>
-            </a:extLst>
-          </p:cNvPr>
-          <p:cNvSpPr txBox="1"/>
-          <p:nvPr/>
-        </p:nvSpPr>
-        <p:spPr>
-          <a:xfrm>
-            <a:off x="0" y="853164"/>
-            <a:ext cx="5676900" cy="5355312"/>
-          </a:xfrm>
-          <a:prstGeom prst="rect">
-            <a:avLst/>
-          </a:prstGeom>
-          <a:noFill/>
-        </p:spPr>
-        <p:txBody>
-          <a:bodyPr wrap="square" rtlCol="0">
-            <a:spAutoFit/>
-          </a:bodyPr>
-          <a:lstStyle/>
-          <a:p>
-            <a:r>
-              <a:rPr lang="en-GB" b="1" dirty="0">
-                <a:latin typeface="Segoe UI" panose="020B0502040204020203" pitchFamily="34" charset="0"/>
-                <a:cs typeface="Segoe UI" panose="020B0502040204020203" pitchFamily="34" charset="0"/>
-              </a:rPr>
-              <a:t>Recommendations</a:t>
-            </a:r>
-          </a:p>
-          <a:p>
-            <a:pPr marL="342900" indent="-342900">
-              <a:buFont typeface="+mj-lt"/>
-              <a:buAutoNum type="arabicPeriod"/>
-            </a:pPr>
-            <a:r>
-              <a:rPr lang="en-GB" b="1" dirty="0">
-                <a:latin typeface="Segoe UI" panose="020B0502040204020203" pitchFamily="34" charset="0"/>
-                <a:cs typeface="Segoe UI" panose="020B0502040204020203" pitchFamily="34" charset="0"/>
-              </a:rPr>
-              <a:t>Best Customers</a:t>
-            </a:r>
-            <a:r>
-              <a:rPr lang="en-GB" dirty="0">
-                <a:latin typeface="Segoe UI" panose="020B0502040204020203" pitchFamily="34" charset="0"/>
-                <a:cs typeface="Segoe UI" panose="020B0502040204020203" pitchFamily="34" charset="0"/>
-              </a:rPr>
-              <a:t>: Design premium loyalty programs and provide exclusive benefits. Promote upsell opportunities to leverage high spending power.</a:t>
-            </a:r>
-          </a:p>
-          <a:p>
-            <a:pPr marL="342900" indent="-342900">
-              <a:buFont typeface="+mj-lt"/>
-              <a:buAutoNum type="arabicPeriod"/>
-            </a:pPr>
-            <a:endParaRPr lang="en-GB" dirty="0">
-              <a:latin typeface="Segoe UI" panose="020B0502040204020203" pitchFamily="34" charset="0"/>
-              <a:cs typeface="Segoe UI" panose="020B0502040204020203" pitchFamily="34" charset="0"/>
-            </a:endParaRPr>
-          </a:p>
-          <a:p>
-            <a:pPr marL="342900" indent="-342900">
-              <a:buFont typeface="+mj-lt"/>
-              <a:buAutoNum type="arabicPeriod"/>
-            </a:pPr>
-            <a:r>
-              <a:rPr lang="en-GB" b="1" dirty="0">
-                <a:latin typeface="Segoe UI" panose="020B0502040204020203" pitchFamily="34" charset="0"/>
-                <a:cs typeface="Segoe UI" panose="020B0502040204020203" pitchFamily="34" charset="0"/>
-              </a:rPr>
-              <a:t>Loyal Customers</a:t>
-            </a:r>
-            <a:r>
-              <a:rPr lang="en-GB" dirty="0">
-                <a:latin typeface="Segoe UI" panose="020B0502040204020203" pitchFamily="34" charset="0"/>
-                <a:cs typeface="Segoe UI" panose="020B0502040204020203" pitchFamily="34" charset="0"/>
-              </a:rPr>
-              <a:t>: Maintain consistent engagement through personalized offers.</a:t>
-            </a:r>
-          </a:p>
-          <a:p>
-            <a:pPr marL="342900" indent="-342900">
-              <a:buFont typeface="+mj-lt"/>
-              <a:buAutoNum type="arabicPeriod"/>
-            </a:pPr>
-            <a:endParaRPr lang="en-GB" dirty="0">
-              <a:latin typeface="Segoe UI" panose="020B0502040204020203" pitchFamily="34" charset="0"/>
-              <a:cs typeface="Segoe UI" panose="020B0502040204020203" pitchFamily="34" charset="0"/>
-            </a:endParaRPr>
-          </a:p>
-          <a:p>
-            <a:pPr marL="342900" indent="-342900">
-              <a:buFont typeface="+mj-lt"/>
-              <a:buAutoNum type="arabicPeriod"/>
-            </a:pPr>
-            <a:r>
-              <a:rPr lang="en-GB" b="1" dirty="0">
-                <a:latin typeface="Segoe UI" panose="020B0502040204020203" pitchFamily="34" charset="0"/>
-                <a:cs typeface="Segoe UI" panose="020B0502040204020203" pitchFamily="34" charset="0"/>
-              </a:rPr>
-              <a:t>At Risk &amp; Can’t Lose Them</a:t>
-            </a:r>
-            <a:r>
-              <a:rPr lang="en-GB" dirty="0">
-                <a:latin typeface="Segoe UI" panose="020B0502040204020203" pitchFamily="34" charset="0"/>
-                <a:cs typeface="Segoe UI" panose="020B0502040204020203" pitchFamily="34" charset="0"/>
-              </a:rPr>
-              <a:t>: Run targeted reactivation campaigns highlighting their previous value.</a:t>
-            </a:r>
-          </a:p>
-          <a:p>
-            <a:pPr marL="342900" indent="-342900">
-              <a:buFont typeface="+mj-lt"/>
-              <a:buAutoNum type="arabicPeriod"/>
-            </a:pPr>
-            <a:endParaRPr lang="en-GB" dirty="0">
-              <a:latin typeface="Segoe UI" panose="020B0502040204020203" pitchFamily="34" charset="0"/>
-              <a:cs typeface="Segoe UI" panose="020B0502040204020203" pitchFamily="34" charset="0"/>
-            </a:endParaRPr>
-          </a:p>
-          <a:p>
-            <a:pPr marL="342900" indent="-342900">
-              <a:buFont typeface="+mj-lt"/>
-              <a:buAutoNum type="arabicPeriod"/>
-            </a:pPr>
-            <a:r>
-              <a:rPr lang="en-GB" b="1" dirty="0">
-                <a:latin typeface="Segoe UI" panose="020B0502040204020203" pitchFamily="34" charset="0"/>
-                <a:cs typeface="Segoe UI" panose="020B0502040204020203" pitchFamily="34" charset="0"/>
-              </a:rPr>
-              <a:t>Hibernating &amp; Lost Customers</a:t>
-            </a:r>
-            <a:r>
-              <a:rPr lang="en-GB" dirty="0">
-                <a:latin typeface="Segoe UI" panose="020B0502040204020203" pitchFamily="34" charset="0"/>
-                <a:cs typeface="Segoe UI" panose="020B0502040204020203" pitchFamily="34" charset="0"/>
-              </a:rPr>
-              <a:t>: Offer surveys or discounts to re-engage or phase out from campaigns.</a:t>
-            </a:r>
-          </a:p>
-          <a:p>
-            <a:pPr marL="342900" indent="-342900">
-              <a:buFont typeface="+mj-lt"/>
-              <a:buAutoNum type="arabicPeriod"/>
-            </a:pPr>
-            <a:endParaRPr lang="en-GB" dirty="0">
-              <a:latin typeface="Segoe UI" panose="020B0502040204020203" pitchFamily="34" charset="0"/>
-              <a:cs typeface="Segoe UI" panose="020B0502040204020203" pitchFamily="34" charset="0"/>
-            </a:endParaRPr>
-          </a:p>
-          <a:p>
-            <a:pPr marL="342900" indent="-342900">
-              <a:buFont typeface="+mj-lt"/>
-              <a:buAutoNum type="arabicPeriod"/>
-            </a:pPr>
-            <a:r>
-              <a:rPr lang="en-GB" b="1" dirty="0">
-                <a:latin typeface="Segoe UI" panose="020B0502040204020203" pitchFamily="34" charset="0"/>
-                <a:cs typeface="Segoe UI" panose="020B0502040204020203" pitchFamily="34" charset="0"/>
-              </a:rPr>
-              <a:t>Potential Loyalists</a:t>
-            </a:r>
-            <a:r>
-              <a:rPr lang="en-GB" dirty="0">
-                <a:latin typeface="Segoe UI" panose="020B0502040204020203" pitchFamily="34" charset="0"/>
-                <a:cs typeface="Segoe UI" panose="020B0502040204020203" pitchFamily="34" charset="0"/>
-              </a:rPr>
-              <a:t>: Build tailored onboarding programs to solidify loyalty.</a:t>
-            </a:r>
-            <a:endParaRPr lang="en-NG" dirty="0">
-              <a:latin typeface="Segoe UI" panose="020B0502040204020203" pitchFamily="34" charset="0"/>
-              <a:cs typeface="Segoe UI" panose="020B0502040204020203" pitchFamily="34" charset="0"/>
-            </a:endParaRPr>
-          </a:p>
-        </p:txBody>
-      </p:sp>
-      <p:sp>
-        <p:nvSpPr>
-          <p:cNvPr id="3" name="TextBox 2">
-            <a:extLst>
-              <a:ext uri="{FF2B5EF4-FFF2-40B4-BE49-F238E27FC236}">
-                <a16:creationId xmlns:a16="http://schemas.microsoft.com/office/drawing/2014/main" id="{AEC92351-90BF-7335-997C-518E4A19A756}"/>
-              </a:ext>
-            </a:extLst>
-          </p:cNvPr>
-          <p:cNvSpPr txBox="1"/>
-          <p:nvPr/>
-        </p:nvSpPr>
-        <p:spPr>
-          <a:xfrm>
-            <a:off x="5676900" y="853164"/>
-            <a:ext cx="5314950" cy="2862322"/>
-          </a:xfrm>
-          <a:prstGeom prst="rect">
-            <a:avLst/>
-          </a:prstGeom>
-          <a:noFill/>
-        </p:spPr>
-        <p:txBody>
-          <a:bodyPr wrap="square" rtlCol="0">
-            <a:spAutoFit/>
-          </a:bodyPr>
-          <a:lstStyle/>
-          <a:p>
-            <a:r>
-              <a:rPr lang="en-GB" b="1" dirty="0">
-                <a:latin typeface="Segoe UI" panose="020B0502040204020203" pitchFamily="34" charset="0"/>
-                <a:cs typeface="Segoe UI" panose="020B0502040204020203" pitchFamily="34" charset="0"/>
-              </a:rPr>
-              <a:t>Conclusion</a:t>
-            </a:r>
-          </a:p>
-          <a:p>
-            <a:pPr marL="342900" indent="-342900">
-              <a:buFont typeface="+mj-lt"/>
-              <a:buAutoNum type="arabicPeriod"/>
-            </a:pPr>
-            <a:r>
-              <a:rPr lang="en-GB" dirty="0">
-                <a:latin typeface="Segoe UI" panose="020B0502040204020203" pitchFamily="34" charset="0"/>
-                <a:cs typeface="Segoe UI" panose="020B0502040204020203" pitchFamily="34" charset="0"/>
-              </a:rPr>
-              <a:t>RFM analysis highlights the diverse behaviour of customer segments.</a:t>
-            </a:r>
-          </a:p>
-          <a:p>
-            <a:pPr marL="342900" indent="-342900">
-              <a:buFont typeface="+mj-lt"/>
-              <a:buAutoNum type="arabicPeriod"/>
-            </a:pPr>
-            <a:r>
-              <a:rPr lang="en-GB" dirty="0">
-                <a:latin typeface="Segoe UI" panose="020B0502040204020203" pitchFamily="34" charset="0"/>
-                <a:cs typeface="Segoe UI" panose="020B0502040204020203" pitchFamily="34" charset="0"/>
-              </a:rPr>
-              <a:t>Best Customers and Loyal Customers should be prioritized for retention and growth, while At Risk customers need attention to avoid loss.</a:t>
-            </a:r>
-          </a:p>
-          <a:p>
-            <a:r>
-              <a:rPr lang="en-GB" b="1" dirty="0">
-                <a:latin typeface="Segoe UI" panose="020B0502040204020203" pitchFamily="34" charset="0"/>
-                <a:cs typeface="Segoe UI" panose="020B0502040204020203" pitchFamily="34" charset="0"/>
-              </a:rPr>
-              <a:t>Next Steps</a:t>
-            </a:r>
-          </a:p>
-          <a:p>
-            <a:pPr marL="342900" indent="-342900">
-              <a:buFont typeface="+mj-lt"/>
-              <a:buAutoNum type="arabicPeriod"/>
-            </a:pPr>
-            <a:r>
-              <a:rPr lang="en-GB" dirty="0">
-                <a:latin typeface="Segoe UI" panose="020B0502040204020203" pitchFamily="34" charset="0"/>
-                <a:cs typeface="Segoe UI" panose="020B0502040204020203" pitchFamily="34" charset="0"/>
-              </a:rPr>
-              <a:t>Deploy segment-specific marketing campaigns.</a:t>
-            </a:r>
-          </a:p>
-          <a:p>
-            <a:pPr marL="342900" indent="-342900">
-              <a:buFont typeface="+mj-lt"/>
-              <a:buAutoNum type="arabicPeriod"/>
-            </a:pPr>
-            <a:r>
-              <a:rPr lang="en-GB" dirty="0">
-                <a:latin typeface="Segoe UI" panose="020B0502040204020203" pitchFamily="34" charset="0"/>
-                <a:cs typeface="Segoe UI" panose="020B0502040204020203" pitchFamily="34" charset="0"/>
-              </a:rPr>
-              <a:t>Monitor customer responses and re-segment quarterly.</a:t>
-            </a:r>
-            <a:endParaRPr lang="en-NG" dirty="0">
-              <a:latin typeface="Segoe UI" panose="020B0502040204020203" pitchFamily="34" charset="0"/>
-              <a:cs typeface="Segoe UI" panose="020B0502040204020203" pitchFamily="34" charset="0"/>
-            </a:endParaRPr>
-          </a:p>
-        </p:txBody>
-      </p:sp>
-      <p:pic>
-        <p:nvPicPr>
-          <p:cNvPr id="1026" name="Picture 2" descr="48,713 Conclusion Royalty-Free Photos ...">
-            <a:extLst>
-              <a:ext uri="{FF2B5EF4-FFF2-40B4-BE49-F238E27FC236}">
-                <a16:creationId xmlns:a16="http://schemas.microsoft.com/office/drawing/2014/main" id="{5A88A47C-DC13-9F3E-910C-B2EC2AA675CF}"/>
-              </a:ext>
-            </a:extLst>
-          </p:cNvPr>
-          <p:cNvPicPr>
-            <a:picLocks noChangeAspect="1" noChangeArrowheads="1"/>
-          </p:cNvPicPr>
-          <p:nvPr/>
-        </p:nvPicPr>
-        <p:blipFill>
-          <a:blip r:embed="rId2">
-            <a:extLst>
-              <a:ext uri="{28A0092B-C50C-407E-A947-70E740481C1C}">
-                <a14:useLocalDpi xmlns:a14="http://schemas.microsoft.com/office/drawing/2010/main" val="0"/>
-              </a:ext>
-            </a:extLst>
-          </a:blip>
-          <a:srcRect/>
-          <a:stretch>
-            <a:fillRect/>
-          </a:stretch>
-        </p:blipFill>
-        <p:spPr bwMode="auto">
-          <a:xfrm>
-            <a:off x="6096000" y="4137625"/>
-            <a:ext cx="4300998" cy="2070851"/>
-          </a:xfrm>
-          <a:prstGeom prst="rect">
-            <a:avLst/>
-          </a:prstGeom>
-          <a:noFill/>
-          <a:extLst>
-            <a:ext uri="{909E8E84-426E-40DD-AFC4-6F175D3DCCD1}">
-              <a14:hiddenFill xmlns:a14="http://schemas.microsoft.com/office/drawing/2010/main">
-                <a:solidFill>
-                  <a:srgbClr val="FFFFFF"/>
-                </a:solidFill>
-              </a14:hiddenFill>
-            </a:ext>
-          </a:extLst>
-        </p:spPr>
-      </p:pic>
-    </p:spTree>
-    <p:extLst>
-      <p:ext uri="{BB962C8B-B14F-4D97-AF65-F5344CB8AC3E}">
-        <p14:creationId xmlns:p14="http://schemas.microsoft.com/office/powerpoint/2010/main" val="4270841372"/>
-      </p:ext>
-    </p:extLst>
-  </p:cSld>
-  <p:clrMapOvr>
-    <a:masterClrMapping/>
-  </p:clrMapOvr>
-</p:sld>
-</file>
-
-<file path=ppt/slides/slide12.xml><?xml version="1.0" encoding="utf-8"?>
-<p:sld xmlns:a="http://schemas.openxmlformats.org/drawingml/2006/main" xmlns:r="http://schemas.openxmlformats.org/officeDocument/2006/relationships" xmlns:p="http://schemas.openxmlformats.org/presentationml/2006/main">
-  <p:cSld>
-    <p:spTree>
-      <p:nvGrpSpPr>
-        <p:cNvPr id="1" name="">
-          <a:extLst>
-            <a:ext uri="{FF2B5EF4-FFF2-40B4-BE49-F238E27FC236}">
-              <a16:creationId xmlns:a16="http://schemas.microsoft.com/office/drawing/2014/main" id="{C1F1FB0A-13B6-6969-C889-280DB18480DB}"/>
-            </a:ext>
-          </a:extLst>
-        </p:cNvPr>
-        <p:cNvGrpSpPr/>
-        <p:nvPr/>
-      </p:nvGrpSpPr>
-      <p:grpSpPr>
-        <a:xfrm>
-          <a:off x="0" y="0"/>
-          <a:ext cx="0" cy="0"/>
-          <a:chOff x="0" y="0"/>
-          <a:chExt cx="0" cy="0"/>
-        </a:xfrm>
-      </p:grpSpPr>
-      <p:sp>
-        <p:nvSpPr>
-          <p:cNvPr id="4" name="Rectangle 3">
-            <a:extLst>
-              <a:ext uri="{FF2B5EF4-FFF2-40B4-BE49-F238E27FC236}">
-                <a16:creationId xmlns:a16="http://schemas.microsoft.com/office/drawing/2014/main" id="{D139431A-D57A-DA0E-E1EF-BE151BCED69D}"/>
-              </a:ext>
-            </a:extLst>
-          </p:cNvPr>
-          <p:cNvSpPr/>
-          <p:nvPr/>
-        </p:nvSpPr>
-        <p:spPr>
-          <a:xfrm>
-            <a:off x="3895725" y="2533650"/>
-            <a:ext cx="4143376" cy="2219325"/>
-          </a:xfrm>
-          <a:prstGeom prst="rect">
-            <a:avLst/>
-          </a:prstGeom>
-          <a:solidFill>
-            <a:schemeClr val="bg2"/>
-          </a:solidFill>
-          <a:ln>
-            <a:noFill/>
-          </a:ln>
-        </p:spPr>
-        <p:style>
-          <a:lnRef idx="2">
-            <a:schemeClr val="accent1">
-              <a:shade val="15000"/>
-            </a:schemeClr>
-          </a:lnRef>
-          <a:fillRef idx="1">
-            <a:schemeClr val="accent1"/>
-          </a:fillRef>
-          <a:effectRef idx="0">
-            <a:schemeClr val="accent1"/>
-          </a:effectRef>
-          <a:fontRef idx="minor">
-            <a:schemeClr val="lt1"/>
-          </a:fontRef>
-        </p:style>
-        <p:txBody>
-          <a:bodyPr rtlCol="0" anchor="ctr"/>
-          <a:lstStyle/>
-          <a:p>
-            <a:pPr marL="0" marR="0" lvl="0" indent="0" algn="l" defTabSz="914400" rtl="0" eaLnBrk="1" fontAlgn="auto" latinLnBrk="0" hangingPunct="1">
-              <a:lnSpc>
-                <a:spcPct val="100000"/>
-              </a:lnSpc>
-              <a:spcBef>
-                <a:spcPts val="0"/>
-              </a:spcBef>
-              <a:spcAft>
-                <a:spcPts val="0"/>
-              </a:spcAft>
-              <a:buClrTx/>
-              <a:buSzTx/>
-              <a:buFontTx/>
-              <a:buNone/>
-              <a:tabLst/>
-              <a:defRPr/>
-            </a:pPr>
-            <a:r>
-              <a:rPr kumimoji="0" lang="en-GB" sz="2800" b="1" i="0" u="none" strike="noStrike" kern="1200" cap="none" spc="0" normalizeH="0" baseline="0" noProof="0" dirty="0">
-                <a:ln>
-                  <a:noFill/>
-                </a:ln>
-                <a:solidFill>
-                  <a:prstClr val="black"/>
-                </a:solidFill>
-                <a:effectLst/>
-                <a:uLnTx/>
-                <a:uFillTx/>
-                <a:latin typeface="Segoe UI" panose="020B0502040204020203" pitchFamily="34" charset="0"/>
-                <a:cs typeface="Segoe UI" panose="020B0502040204020203" pitchFamily="34" charset="0"/>
-              </a:rPr>
-              <a:t>Thank you for listening</a:t>
-            </a:r>
-          </a:p>
-        </p:txBody>
-      </p:sp>
-      <p:pic>
-        <p:nvPicPr>
-          <p:cNvPr id="2050" name="Picture 2" descr="Thank You For Listening - YouTube">
-            <a:extLst>
-              <a:ext uri="{FF2B5EF4-FFF2-40B4-BE49-F238E27FC236}">
-                <a16:creationId xmlns:a16="http://schemas.microsoft.com/office/drawing/2014/main" id="{309A6E99-3E49-339C-5617-76C0E0998074}"/>
-              </a:ext>
-            </a:extLst>
-          </p:cNvPr>
-          <p:cNvPicPr>
-            <a:picLocks noChangeAspect="1" noChangeArrowheads="1"/>
-          </p:cNvPicPr>
-          <p:nvPr/>
-        </p:nvPicPr>
-        <p:blipFill>
-          <a:blip r:embed="rId2">
-            <a:extLst>
-              <a:ext uri="{28A0092B-C50C-407E-A947-70E740481C1C}">
-                <a14:useLocalDpi xmlns:a14="http://schemas.microsoft.com/office/drawing/2010/main" val="0"/>
-              </a:ext>
-            </a:extLst>
-          </a:blip>
-          <a:srcRect/>
-          <a:stretch>
-            <a:fillRect/>
-          </a:stretch>
-        </p:blipFill>
-        <p:spPr bwMode="auto">
-          <a:xfrm>
-            <a:off x="0" y="1"/>
-            <a:ext cx="12192000" cy="6858000"/>
-          </a:xfrm>
-          <a:prstGeom prst="rect">
-            <a:avLst/>
-          </a:prstGeom>
-          <a:noFill/>
-          <a:extLst>
-            <a:ext uri="{909E8E84-426E-40DD-AFC4-6F175D3DCCD1}">
-              <a14:hiddenFill xmlns:a14="http://schemas.microsoft.com/office/drawing/2010/main">
-                <a:solidFill>
-                  <a:srgbClr val="FFFFFF"/>
-                </a:solidFill>
-              </a14:hiddenFill>
-            </a:ext>
-          </a:extLst>
-        </p:spPr>
-      </p:pic>
-    </p:spTree>
-    <p:extLst>
-      <p:ext uri="{BB962C8B-B14F-4D97-AF65-F5344CB8AC3E}">
-        <p14:creationId xmlns:p14="http://schemas.microsoft.com/office/powerpoint/2010/main" val="2626456393"/>
-      </p:ext>
-    </p:extLst>
-  </p:cSld>
-  <p:clrMapOvr>
-    <a:masterClrMapping/>
-  </p:clrMapOvr>
-</p:sld>
-</file>
-
 <file path=ppt/slides/slide2.xml><?xml version="1.0" encoding="utf-8"?>
 <p:sld xmlns:a="http://schemas.openxmlformats.org/drawingml/2006/main" xmlns:r="http://schemas.openxmlformats.org/officeDocument/2006/relationships" xmlns:p="http://schemas.openxmlformats.org/presentationml/2006/main">
   <p:cSld>
@@ -5433,7 +4433,7 @@
           <p:nvPr>
             <p:extLst>
               <p:ext uri="{D42A27DB-BD31-4B8C-83A1-F6EECF244321}">
-                <p14:modId xmlns:p14="http://schemas.microsoft.com/office/powerpoint/2010/main" val="1538544177"/>
+                <p14:modId xmlns:p14="http://schemas.microsoft.com/office/powerpoint/2010/main" val="3450339787"/>
               </p:ext>
             </p:extLst>
           </p:nvPr>
@@ -5564,6 +4564,14 @@
                     <a:bodyPr/>
                     <a:lstStyle/>
                     <a:p>
+                      <a:pPr algn="ctr"/>
+                      <a:r>
+                        <a:rPr lang="en-GB" sz="2000" dirty="0">
+                          <a:latin typeface="Segoe UI" panose="020B0502040204020203" pitchFamily="34" charset="0"/>
+                          <a:cs typeface="Segoe UI" panose="020B0502040204020203" pitchFamily="34" charset="0"/>
+                        </a:rPr>
+                        <a:t>14%</a:t>
+                      </a:r>
                       <a:endParaRPr lang="en-NG" sz="2000" dirty="0">
                         <a:latin typeface="Segoe UI" panose="020B0502040204020203" pitchFamily="34" charset="0"/>
                         <a:cs typeface="Segoe UI" panose="020B0502040204020203" pitchFamily="34" charset="0"/>
@@ -5624,6 +4632,14 @@
                     <a:bodyPr/>
                     <a:lstStyle/>
                     <a:p>
+                      <a:pPr algn="ctr"/>
+                      <a:r>
+                        <a:rPr lang="en-GB" sz="2000" dirty="0">
+                          <a:latin typeface="Segoe UI" panose="020B0502040204020203" pitchFamily="34" charset="0"/>
+                          <a:cs typeface="Segoe UI" panose="020B0502040204020203" pitchFamily="34" charset="0"/>
+                        </a:rPr>
+                        <a:t>21%</a:t>
+                      </a:r>
                       <a:endParaRPr lang="en-NG" sz="2000" dirty="0">
                         <a:latin typeface="Segoe UI" panose="020B0502040204020203" pitchFamily="34" charset="0"/>
                         <a:cs typeface="Segoe UI" panose="020B0502040204020203" pitchFamily="34" charset="0"/>
@@ -5684,6 +4700,14 @@
                     <a:bodyPr/>
                     <a:lstStyle/>
                     <a:p>
+                      <a:pPr algn="ctr"/>
+                      <a:r>
+                        <a:rPr lang="en-GB" sz="2000" dirty="0">
+                          <a:latin typeface="Segoe UI" panose="020B0502040204020203" pitchFamily="34" charset="0"/>
+                          <a:cs typeface="Segoe UI" panose="020B0502040204020203" pitchFamily="34" charset="0"/>
+                        </a:rPr>
+                        <a:t>15%</a:t>
+                      </a:r>
                       <a:endParaRPr lang="en-NG" sz="2000" dirty="0">
                         <a:latin typeface="Segoe UI" panose="020B0502040204020203" pitchFamily="34" charset="0"/>
                         <a:cs typeface="Segoe UI" panose="020B0502040204020203" pitchFamily="34" charset="0"/>
@@ -5744,6 +4768,14 @@
                     <a:bodyPr/>
                     <a:lstStyle/>
                     <a:p>
+                      <a:pPr algn="ctr"/>
+                      <a:r>
+                        <a:rPr lang="en-GB" sz="2000" dirty="0">
+                          <a:latin typeface="Segoe UI" panose="020B0502040204020203" pitchFamily="34" charset="0"/>
+                          <a:cs typeface="Segoe UI" panose="020B0502040204020203" pitchFamily="34" charset="0"/>
+                        </a:rPr>
+                        <a:t>15%</a:t>
+                      </a:r>
                       <a:endParaRPr lang="en-NG" sz="2000" dirty="0">
                         <a:latin typeface="Segoe UI" panose="020B0502040204020203" pitchFamily="34" charset="0"/>
                         <a:cs typeface="Segoe UI" panose="020B0502040204020203" pitchFamily="34" charset="0"/>
@@ -5804,6 +4836,14 @@
                     <a:bodyPr/>
                     <a:lstStyle/>
                     <a:p>
+                      <a:pPr algn="ctr"/>
+                      <a:r>
+                        <a:rPr lang="en-GB" sz="2000" dirty="0">
+                          <a:latin typeface="Segoe UI" panose="020B0502040204020203" pitchFamily="34" charset="0"/>
+                          <a:cs typeface="Segoe UI" panose="020B0502040204020203" pitchFamily="34" charset="0"/>
+                        </a:rPr>
+                        <a:t>5%</a:t>
+                      </a:r>
                       <a:endParaRPr lang="en-NG" sz="2000" dirty="0">
                         <a:latin typeface="Segoe UI" panose="020B0502040204020203" pitchFamily="34" charset="0"/>
                         <a:cs typeface="Segoe UI" panose="020B0502040204020203" pitchFamily="34" charset="0"/>
@@ -5864,6 +4904,14 @@
                     <a:bodyPr/>
                     <a:lstStyle/>
                     <a:p>
+                      <a:pPr algn="ctr"/>
+                      <a:r>
+                        <a:rPr lang="en-GB" sz="2000" dirty="0">
+                          <a:latin typeface="Segoe UI" panose="020B0502040204020203" pitchFamily="34" charset="0"/>
+                          <a:cs typeface="Segoe UI" panose="020B0502040204020203" pitchFamily="34" charset="0"/>
+                        </a:rPr>
+                        <a:t>5%</a:t>
+                      </a:r>
                       <a:endParaRPr lang="en-NG" sz="2000" dirty="0">
                         <a:latin typeface="Segoe UI" panose="020B0502040204020203" pitchFamily="34" charset="0"/>
                         <a:cs typeface="Segoe UI" panose="020B0502040204020203" pitchFamily="34" charset="0"/>
@@ -5924,6 +4972,14 @@
                     <a:bodyPr/>
                     <a:lstStyle/>
                     <a:p>
+                      <a:pPr algn="ctr"/>
+                      <a:r>
+                        <a:rPr lang="en-GB" sz="2000" dirty="0">
+                          <a:latin typeface="Segoe UI" panose="020B0502040204020203" pitchFamily="34" charset="0"/>
+                          <a:cs typeface="Segoe UI" panose="020B0502040204020203" pitchFamily="34" charset="0"/>
+                        </a:rPr>
+                        <a:t>14%</a:t>
+                      </a:r>
                       <a:endParaRPr lang="en-NG" sz="2000" dirty="0">
                         <a:latin typeface="Segoe UI" panose="020B0502040204020203" pitchFamily="34" charset="0"/>
                         <a:cs typeface="Segoe UI" panose="020B0502040204020203" pitchFamily="34" charset="0"/>
@@ -5984,6 +5040,14 @@
                     <a:bodyPr/>
                     <a:lstStyle/>
                     <a:p>
+                      <a:pPr algn="ctr"/>
+                      <a:r>
+                        <a:rPr lang="en-GB" sz="2000" dirty="0">
+                          <a:latin typeface="Segoe UI" panose="020B0502040204020203" pitchFamily="34" charset="0"/>
+                          <a:cs typeface="Segoe UI" panose="020B0502040204020203" pitchFamily="34" charset="0"/>
+                        </a:rPr>
+                        <a:t>10%</a:t>
+                      </a:r>
                       <a:endParaRPr lang="en-NG" sz="2000" dirty="0">
                         <a:latin typeface="Segoe UI" panose="020B0502040204020203" pitchFamily="34" charset="0"/>
                         <a:cs typeface="Segoe UI" panose="020B0502040204020203" pitchFamily="34" charset="0"/>
@@ -6401,7 +5465,7 @@
         <p:cNvPr id="1" name="">
           <a:extLst>
             <a:ext uri="{FF2B5EF4-FFF2-40B4-BE49-F238E27FC236}">
-              <a16:creationId xmlns:a16="http://schemas.microsoft.com/office/drawing/2014/main" id="{BF26364C-12C7-E771-EABE-A0C81C6C5972}"/>
+              <a16:creationId xmlns:a16="http://schemas.microsoft.com/office/drawing/2014/main" id="{DC87DE01-14E5-E7D1-84AB-FF7B23A2497E}"/>
             </a:ext>
           </a:extLst>
         </p:cNvPr>
@@ -6421,7 +5485,7 @@
           <p:cNvPr id="4" name="Rectangle 3">
             <a:extLst>
               <a:ext uri="{FF2B5EF4-FFF2-40B4-BE49-F238E27FC236}">
-                <a16:creationId xmlns:a16="http://schemas.microsoft.com/office/drawing/2014/main" id="{6E21F0AB-0310-27B0-FB8C-6CF77F23F4A9}"/>
+                <a16:creationId xmlns:a16="http://schemas.microsoft.com/office/drawing/2014/main" id="{0168BF3E-CDF0-D410-819D-82B060C6040F}"/>
               </a:ext>
             </a:extLst>
           </p:cNvPr>
@@ -6480,73 +5544,41 @@
               <a:tabLst/>
               <a:defRPr/>
             </a:pPr>
-            <a:endParaRPr kumimoji="0" lang="en-GB" sz="2800" b="1" i="0" u="none" strike="noStrike" kern="1200" cap="none" spc="0" normalizeH="0" baseline="0" noProof="0" dirty="0">
-              <a:ln>
-                <a:noFill/>
-              </a:ln>
-              <a:solidFill>
-                <a:prstClr val="black"/>
-              </a:solidFill>
-              <a:effectLst/>
-              <a:uLnTx/>
-              <a:uFillTx/>
-              <a:latin typeface="Segoe UI" panose="020B0502040204020203" pitchFamily="34" charset="0"/>
-              <a:cs typeface="Segoe UI" panose="020B0502040204020203" pitchFamily="34" charset="0"/>
-            </a:endParaRPr>
-          </a:p>
-        </p:txBody>
-      </p:sp>
-      <p:pic>
-        <p:nvPicPr>
-          <p:cNvPr id="3" name="Picture 2">
-            <a:extLst>
-              <a:ext uri="{FF2B5EF4-FFF2-40B4-BE49-F238E27FC236}">
-                <a16:creationId xmlns:a16="http://schemas.microsoft.com/office/drawing/2014/main" id="{7677D3D9-995B-4ED8-33F3-18E2266452E3}"/>
-              </a:ext>
-            </a:extLst>
-          </p:cNvPr>
-          <p:cNvPicPr>
-            <a:picLocks noChangeAspect="1"/>
-          </p:cNvPicPr>
+            <a:r>
+              <a:rPr kumimoji="0" lang="en-GB" sz="2800" b="1" i="0" u="none" strike="noStrike" kern="1200" cap="none" spc="0" normalizeH="0" baseline="0" noProof="0" dirty="0">
+                <a:ln>
+                  <a:noFill/>
+                </a:ln>
+                <a:solidFill>
+                  <a:prstClr val="black"/>
+                </a:solidFill>
+                <a:effectLst/>
+                <a:uLnTx/>
+                <a:uFillTx/>
+                <a:latin typeface="Segoe UI" panose="020B0502040204020203" pitchFamily="34" charset="0"/>
+                <a:cs typeface="Segoe UI" panose="020B0502040204020203" pitchFamily="34" charset="0"/>
+              </a:rPr>
+              <a:t>Recommendations and Conclusions</a:t>
+            </a:r>
+          </a:p>
+        </p:txBody>
+      </p:sp>
+      <p:sp>
+        <p:nvSpPr>
+          <p:cNvPr id="2" name="TextBox 1">
+            <a:extLst>
+              <a:ext uri="{FF2B5EF4-FFF2-40B4-BE49-F238E27FC236}">
+                <a16:creationId xmlns:a16="http://schemas.microsoft.com/office/drawing/2014/main" id="{C451F96C-E311-58D2-A8BB-9E4AC8224F1D}"/>
+              </a:ext>
+            </a:extLst>
+          </p:cNvPr>
+          <p:cNvSpPr txBox="1"/>
           <p:nvPr/>
-        </p:nvPicPr>
-        <p:blipFill>
-          <a:blip r:embed="rId2">
-            <a:extLst>
-              <a:ext uri="{28A0092B-C50C-407E-A947-70E740481C1C}">
-                <a14:useLocalDpi xmlns:a14="http://schemas.microsoft.com/office/drawing/2010/main" val="0"/>
-              </a:ext>
-            </a:extLst>
-          </a:blip>
-          <a:srcRect t="27639" b="62222"/>
-          <a:stretch/>
-        </p:blipFill>
+        </p:nvSpPr>
         <p:spPr>
           <a:xfrm>
-            <a:off x="0" y="1895474"/>
-            <a:ext cx="12192000" cy="695325"/>
-          </a:xfrm>
-          <a:prstGeom prst="rect">
-            <a:avLst/>
-          </a:prstGeom>
-        </p:spPr>
-      </p:pic>
-      <p:sp>
-        <p:nvSpPr>
-          <p:cNvPr id="5" name="TextBox 4">
-            <a:extLst>
-              <a:ext uri="{FF2B5EF4-FFF2-40B4-BE49-F238E27FC236}">
-                <a16:creationId xmlns:a16="http://schemas.microsoft.com/office/drawing/2014/main" id="{A4413E84-FDAB-6A0A-1453-E217EF73B12F}"/>
-              </a:ext>
-            </a:extLst>
-          </p:cNvPr>
-          <p:cNvSpPr txBox="1"/>
-          <p:nvPr/>
-        </p:nvSpPr>
-        <p:spPr>
-          <a:xfrm>
-            <a:off x="561975" y="5339834"/>
-            <a:ext cx="11630025" cy="369332"/>
+            <a:off x="0" y="853164"/>
+            <a:ext cx="5676900" cy="5355312"/>
           </a:xfrm>
           <a:prstGeom prst="rect">
             <a:avLst/>
@@ -6560,83 +5592,313 @@
           <a:lstStyle/>
           <a:p>
             <a:r>
-              <a:rPr lang="en-GB"/>
-              <a:t>Priority for loyalty and upselling programs.</a:t>
-            </a:r>
-            <a:endParaRPr lang="en-NG" dirty="0"/>
-          </a:p>
-        </p:txBody>
-      </p:sp>
-      <p:sp>
-        <p:nvSpPr>
-          <p:cNvPr id="6" name="Rectangle 5">
-            <a:extLst>
-              <a:ext uri="{FF2B5EF4-FFF2-40B4-BE49-F238E27FC236}">
-                <a16:creationId xmlns:a16="http://schemas.microsoft.com/office/drawing/2014/main" id="{20176A67-C0D6-B491-24D3-E798D0EDD81A}"/>
-              </a:ext>
-            </a:extLst>
-          </p:cNvPr>
-          <p:cNvSpPr/>
+              <a:rPr lang="en-GB" b="1" dirty="0">
+                <a:latin typeface="Segoe UI" panose="020B0502040204020203" pitchFamily="34" charset="0"/>
+                <a:cs typeface="Segoe UI" panose="020B0502040204020203" pitchFamily="34" charset="0"/>
+              </a:rPr>
+              <a:t>Recommendations</a:t>
+            </a:r>
+          </a:p>
+          <a:p>
+            <a:pPr marL="342900" indent="-342900">
+              <a:buFont typeface="+mj-lt"/>
+              <a:buAutoNum type="arabicPeriod"/>
+            </a:pPr>
+            <a:r>
+              <a:rPr lang="en-GB" b="1" dirty="0">
+                <a:latin typeface="Segoe UI" panose="020B0502040204020203" pitchFamily="34" charset="0"/>
+                <a:cs typeface="Segoe UI" panose="020B0502040204020203" pitchFamily="34" charset="0"/>
+              </a:rPr>
+              <a:t>Best Customers</a:t>
+            </a:r>
+            <a:r>
+              <a:rPr lang="en-GB" dirty="0">
+                <a:latin typeface="Segoe UI" panose="020B0502040204020203" pitchFamily="34" charset="0"/>
+                <a:cs typeface="Segoe UI" panose="020B0502040204020203" pitchFamily="34" charset="0"/>
+              </a:rPr>
+              <a:t>: Design premium loyalty programs and provide exclusive benefits. Promote upsell opportunities to leverage high spending power.</a:t>
+            </a:r>
+          </a:p>
+          <a:p>
+            <a:pPr marL="342900" indent="-342900">
+              <a:buFont typeface="+mj-lt"/>
+              <a:buAutoNum type="arabicPeriod"/>
+            </a:pPr>
+            <a:endParaRPr lang="en-GB" dirty="0">
+              <a:latin typeface="Segoe UI" panose="020B0502040204020203" pitchFamily="34" charset="0"/>
+              <a:cs typeface="Segoe UI" panose="020B0502040204020203" pitchFamily="34" charset="0"/>
+            </a:endParaRPr>
+          </a:p>
+          <a:p>
+            <a:pPr marL="342900" indent="-342900">
+              <a:buFont typeface="+mj-lt"/>
+              <a:buAutoNum type="arabicPeriod"/>
+            </a:pPr>
+            <a:r>
+              <a:rPr lang="en-GB" b="1" dirty="0">
+                <a:latin typeface="Segoe UI" panose="020B0502040204020203" pitchFamily="34" charset="0"/>
+                <a:cs typeface="Segoe UI" panose="020B0502040204020203" pitchFamily="34" charset="0"/>
+              </a:rPr>
+              <a:t>Loyal Customers</a:t>
+            </a:r>
+            <a:r>
+              <a:rPr lang="en-GB" dirty="0">
+                <a:latin typeface="Segoe UI" panose="020B0502040204020203" pitchFamily="34" charset="0"/>
+                <a:cs typeface="Segoe UI" panose="020B0502040204020203" pitchFamily="34" charset="0"/>
+              </a:rPr>
+              <a:t>: Maintain consistent engagement through personalized offers.</a:t>
+            </a:r>
+          </a:p>
+          <a:p>
+            <a:pPr marL="342900" indent="-342900">
+              <a:buFont typeface="+mj-lt"/>
+              <a:buAutoNum type="arabicPeriod"/>
+            </a:pPr>
+            <a:endParaRPr lang="en-GB" dirty="0">
+              <a:latin typeface="Segoe UI" panose="020B0502040204020203" pitchFamily="34" charset="0"/>
+              <a:cs typeface="Segoe UI" panose="020B0502040204020203" pitchFamily="34" charset="0"/>
+            </a:endParaRPr>
+          </a:p>
+          <a:p>
+            <a:pPr marL="342900" indent="-342900">
+              <a:buFont typeface="+mj-lt"/>
+              <a:buAutoNum type="arabicPeriod"/>
+            </a:pPr>
+            <a:r>
+              <a:rPr lang="en-GB" b="1" dirty="0">
+                <a:latin typeface="Segoe UI" panose="020B0502040204020203" pitchFamily="34" charset="0"/>
+                <a:cs typeface="Segoe UI" panose="020B0502040204020203" pitchFamily="34" charset="0"/>
+              </a:rPr>
+              <a:t>At Risk &amp; Can’t Lose Them</a:t>
+            </a:r>
+            <a:r>
+              <a:rPr lang="en-GB" dirty="0">
+                <a:latin typeface="Segoe UI" panose="020B0502040204020203" pitchFamily="34" charset="0"/>
+                <a:cs typeface="Segoe UI" panose="020B0502040204020203" pitchFamily="34" charset="0"/>
+              </a:rPr>
+              <a:t>: Run targeted reactivation campaigns highlighting their previous value.</a:t>
+            </a:r>
+          </a:p>
+          <a:p>
+            <a:pPr marL="342900" indent="-342900">
+              <a:buFont typeface="+mj-lt"/>
+              <a:buAutoNum type="arabicPeriod"/>
+            </a:pPr>
+            <a:endParaRPr lang="en-GB" dirty="0">
+              <a:latin typeface="Segoe UI" panose="020B0502040204020203" pitchFamily="34" charset="0"/>
+              <a:cs typeface="Segoe UI" panose="020B0502040204020203" pitchFamily="34" charset="0"/>
+            </a:endParaRPr>
+          </a:p>
+          <a:p>
+            <a:pPr marL="342900" indent="-342900">
+              <a:buFont typeface="+mj-lt"/>
+              <a:buAutoNum type="arabicPeriod"/>
+            </a:pPr>
+            <a:r>
+              <a:rPr lang="en-GB" b="1" dirty="0">
+                <a:latin typeface="Segoe UI" panose="020B0502040204020203" pitchFamily="34" charset="0"/>
+                <a:cs typeface="Segoe UI" panose="020B0502040204020203" pitchFamily="34" charset="0"/>
+              </a:rPr>
+              <a:t>Hibernating &amp; Lost Customers</a:t>
+            </a:r>
+            <a:r>
+              <a:rPr lang="en-GB" dirty="0">
+                <a:latin typeface="Segoe UI" panose="020B0502040204020203" pitchFamily="34" charset="0"/>
+                <a:cs typeface="Segoe UI" panose="020B0502040204020203" pitchFamily="34" charset="0"/>
+              </a:rPr>
+              <a:t>: Offer surveys or discounts to re-engage or phase out from campaigns.</a:t>
+            </a:r>
+          </a:p>
+          <a:p>
+            <a:pPr marL="342900" indent="-342900">
+              <a:buFont typeface="+mj-lt"/>
+              <a:buAutoNum type="arabicPeriod"/>
+            </a:pPr>
+            <a:endParaRPr lang="en-GB" dirty="0">
+              <a:latin typeface="Segoe UI" panose="020B0502040204020203" pitchFamily="34" charset="0"/>
+              <a:cs typeface="Segoe UI" panose="020B0502040204020203" pitchFamily="34" charset="0"/>
+            </a:endParaRPr>
+          </a:p>
+          <a:p>
+            <a:pPr marL="342900" indent="-342900">
+              <a:buFont typeface="+mj-lt"/>
+              <a:buAutoNum type="arabicPeriod"/>
+            </a:pPr>
+            <a:r>
+              <a:rPr lang="en-GB" b="1" dirty="0">
+                <a:latin typeface="Segoe UI" panose="020B0502040204020203" pitchFamily="34" charset="0"/>
+                <a:cs typeface="Segoe UI" panose="020B0502040204020203" pitchFamily="34" charset="0"/>
+              </a:rPr>
+              <a:t>Potential Loyalists</a:t>
+            </a:r>
+            <a:r>
+              <a:rPr lang="en-GB" dirty="0">
+                <a:latin typeface="Segoe UI" panose="020B0502040204020203" pitchFamily="34" charset="0"/>
+                <a:cs typeface="Segoe UI" panose="020B0502040204020203" pitchFamily="34" charset="0"/>
+              </a:rPr>
+              <a:t>: Build tailored onboarding programs to solidify loyalty.</a:t>
+            </a:r>
+            <a:endParaRPr lang="en-NG" dirty="0">
+              <a:latin typeface="Segoe UI" panose="020B0502040204020203" pitchFamily="34" charset="0"/>
+              <a:cs typeface="Segoe UI" panose="020B0502040204020203" pitchFamily="34" charset="0"/>
+            </a:endParaRPr>
+          </a:p>
+        </p:txBody>
+      </p:sp>
+      <p:sp>
+        <p:nvSpPr>
+          <p:cNvPr id="3" name="TextBox 2">
+            <a:extLst>
+              <a:ext uri="{FF2B5EF4-FFF2-40B4-BE49-F238E27FC236}">
+                <a16:creationId xmlns:a16="http://schemas.microsoft.com/office/drawing/2014/main" id="{AEC92351-90BF-7335-997C-518E4A19A756}"/>
+              </a:ext>
+            </a:extLst>
+          </p:cNvPr>
+          <p:cNvSpPr txBox="1"/>
           <p:nvPr/>
         </p:nvSpPr>
         <p:spPr>
           <a:xfrm>
-            <a:off x="0" y="0"/>
-            <a:ext cx="12192000" cy="845127"/>
+            <a:off x="5676900" y="853164"/>
+            <a:ext cx="5314950" cy="2862322"/>
           </a:xfrm>
           <a:prstGeom prst="rect">
             <a:avLst/>
           </a:prstGeom>
-          <a:solidFill>
-            <a:schemeClr val="bg1">
-              <a:lumMod val="85000"/>
-            </a:schemeClr>
-          </a:solidFill>
+          <a:noFill/>
         </p:spPr>
-        <p:style>
-          <a:lnRef idx="2">
-            <a:schemeClr val="accent1">
-              <a:shade val="15000"/>
-            </a:schemeClr>
-          </a:lnRef>
-          <a:fillRef idx="1">
-            <a:schemeClr val="accent1"/>
-          </a:fillRef>
-          <a:effectRef idx="0">
-            <a:schemeClr val="accent1"/>
-          </a:effectRef>
-          <a:fontRef idx="minor">
-            <a:schemeClr val="lt1"/>
-          </a:fontRef>
-        </p:style>
-        <p:txBody>
-          <a:bodyPr rtlCol="0" anchor="ctr"/>
+        <p:txBody>
+          <a:bodyPr wrap="square" rtlCol="0">
+            <a:spAutoFit/>
+          </a:bodyPr>
           <a:lstStyle/>
           <a:p>
             <a:r>
-              <a:rPr lang="en-GB" sz="2800" b="1" dirty="0">
-                <a:solidFill>
-                  <a:schemeClr val="tx1"/>
-                </a:solidFill>
+              <a:rPr lang="en-GB" b="1" dirty="0">
                 <a:latin typeface="Segoe UI" panose="020B0502040204020203" pitchFamily="34" charset="0"/>
                 <a:cs typeface="Segoe UI" panose="020B0502040204020203" pitchFamily="34" charset="0"/>
               </a:rPr>
-              <a:t>Best Customers</a:t>
-            </a:r>
-            <a:endParaRPr lang="en-NG" sz="2800" b="1" dirty="0">
-              <a:solidFill>
-                <a:schemeClr val="tx1"/>
-              </a:solidFill>
+              <a:t>Conclusion</a:t>
+            </a:r>
+          </a:p>
+          <a:p>
+            <a:pPr marL="342900" indent="-342900">
+              <a:buFont typeface="+mj-lt"/>
+              <a:buAutoNum type="arabicPeriod"/>
+            </a:pPr>
+            <a:r>
+              <a:rPr lang="en-GB" dirty="0">
+                <a:latin typeface="Segoe UI" panose="020B0502040204020203" pitchFamily="34" charset="0"/>
+                <a:cs typeface="Segoe UI" panose="020B0502040204020203" pitchFamily="34" charset="0"/>
+              </a:rPr>
+              <a:t>RFM analysis highlights the diverse behaviour of customer segments.</a:t>
+            </a:r>
+          </a:p>
+          <a:p>
+            <a:pPr marL="342900" indent="-342900">
+              <a:buFont typeface="+mj-lt"/>
+              <a:buAutoNum type="arabicPeriod"/>
+            </a:pPr>
+            <a:r>
+              <a:rPr lang="en-GB" dirty="0">
+                <a:latin typeface="Segoe UI" panose="020B0502040204020203" pitchFamily="34" charset="0"/>
+                <a:cs typeface="Segoe UI" panose="020B0502040204020203" pitchFamily="34" charset="0"/>
+              </a:rPr>
+              <a:t>Best Customers and Loyal Customers should be prioritized for retention and growth, while At Risk customers need attention to avoid loss.</a:t>
+            </a:r>
+          </a:p>
+          <a:p>
+            <a:r>
+              <a:rPr lang="en-GB" b="1" dirty="0">
+                <a:latin typeface="Segoe UI" panose="020B0502040204020203" pitchFamily="34" charset="0"/>
+                <a:cs typeface="Segoe UI" panose="020B0502040204020203" pitchFamily="34" charset="0"/>
+              </a:rPr>
+              <a:t>Next Steps</a:t>
+            </a:r>
+          </a:p>
+          <a:p>
+            <a:pPr marL="342900" indent="-342900">
+              <a:buFont typeface="+mj-lt"/>
+              <a:buAutoNum type="arabicPeriod"/>
+            </a:pPr>
+            <a:r>
+              <a:rPr lang="en-GB" dirty="0">
+                <a:latin typeface="Segoe UI" panose="020B0502040204020203" pitchFamily="34" charset="0"/>
+                <a:cs typeface="Segoe UI" panose="020B0502040204020203" pitchFamily="34" charset="0"/>
+              </a:rPr>
+              <a:t>Deploy segment-specific marketing campaigns.</a:t>
+            </a:r>
+          </a:p>
+          <a:p>
+            <a:pPr marL="342900" indent="-342900">
+              <a:buFont typeface="+mj-lt"/>
+              <a:buAutoNum type="arabicPeriod"/>
+            </a:pPr>
+            <a:r>
+              <a:rPr lang="en-GB" dirty="0">
+                <a:latin typeface="Segoe UI" panose="020B0502040204020203" pitchFamily="34" charset="0"/>
+                <a:cs typeface="Segoe UI" panose="020B0502040204020203" pitchFamily="34" charset="0"/>
+              </a:rPr>
+              <a:t>Monitor customer responses and re-segment quarterly.</a:t>
+            </a:r>
+            <a:endParaRPr lang="en-NG" dirty="0">
               <a:latin typeface="Segoe UI" panose="020B0502040204020203" pitchFamily="34" charset="0"/>
               <a:cs typeface="Segoe UI" panose="020B0502040204020203" pitchFamily="34" charset="0"/>
             </a:endParaRPr>
           </a:p>
         </p:txBody>
       </p:sp>
+      <p:pic>
+        <p:nvPicPr>
+          <p:cNvPr id="1026" name="Picture 2" descr="48,713 Conclusion Royalty-Free Photos ...">
+            <a:extLst>
+              <a:ext uri="{FF2B5EF4-FFF2-40B4-BE49-F238E27FC236}">
+                <a16:creationId xmlns:a16="http://schemas.microsoft.com/office/drawing/2014/main" id="{5A88A47C-DC13-9F3E-910C-B2EC2AA675CF}"/>
+              </a:ext>
+            </a:extLst>
+          </p:cNvPr>
+          <p:cNvPicPr>
+            <a:picLocks noChangeAspect="1" noChangeArrowheads="1"/>
+          </p:cNvPicPr>
+          <p:nvPr/>
+        </p:nvPicPr>
+        <p:blipFill>
+          <a:blip r:embed="rId2">
+            <a:extLst>
+              <a:ext uri="{28A0092B-C50C-407E-A947-70E740481C1C}">
+                <a14:useLocalDpi xmlns:a14="http://schemas.microsoft.com/office/drawing/2010/main" val="0"/>
+              </a:ext>
+            </a:extLst>
+          </a:blip>
+          <a:srcRect/>
+          <a:stretch>
+            <a:fillRect/>
+          </a:stretch>
+        </p:blipFill>
+        <p:spPr bwMode="auto">
+          <a:xfrm>
+            <a:off x="6096000" y="4137625"/>
+            <a:ext cx="4300998" cy="2070851"/>
+          </a:xfrm>
+          <a:prstGeom prst="rect">
+            <a:avLst/>
+          </a:prstGeom>
+          <a:noFill/>
+          <a:extLst>
+            <a:ext uri="{909E8E84-426E-40DD-AFC4-6F175D3DCCD1}">
+              <a14:hiddenFill xmlns:a14="http://schemas.microsoft.com/office/drawing/2010/main">
+                <a:solidFill>
+                  <a:srgbClr val="FFFFFF"/>
+                </a:solidFill>
+              </a14:hiddenFill>
+            </a:ext>
+          </a:extLst>
+        </p:spPr>
+      </p:pic>
     </p:spTree>
     <p:extLst>
       <p:ext uri="{BB962C8B-B14F-4D97-AF65-F5344CB8AC3E}">
-        <p14:creationId xmlns:p14="http://schemas.microsoft.com/office/powerpoint/2010/main" val="1663719104"/>
+        <p14:creationId xmlns:p14="http://schemas.microsoft.com/office/powerpoint/2010/main" val="4270841372"/>
       </p:ext>
     </p:extLst>
   </p:cSld>
@@ -6654,7 +5916,7 @@
         <p:cNvPr id="1" name="">
           <a:extLst>
             <a:ext uri="{FF2B5EF4-FFF2-40B4-BE49-F238E27FC236}">
-              <a16:creationId xmlns:a16="http://schemas.microsoft.com/office/drawing/2014/main" id="{9CBB0B99-DB04-6283-7A57-C384D316A050}"/>
+              <a16:creationId xmlns:a16="http://schemas.microsoft.com/office/drawing/2014/main" id="{C1F1FB0A-13B6-6969-C889-280DB18480DB}"/>
             </a:ext>
           </a:extLst>
         </p:cNvPr>
@@ -6674,7 +5936,7 @@
           <p:cNvPr id="4" name="Rectangle 3">
             <a:extLst>
               <a:ext uri="{FF2B5EF4-FFF2-40B4-BE49-F238E27FC236}">
-                <a16:creationId xmlns:a16="http://schemas.microsoft.com/office/drawing/2014/main" id="{E4C093D6-A76E-864C-0657-BA797692DBA2}"/>
+                <a16:creationId xmlns:a16="http://schemas.microsoft.com/office/drawing/2014/main" id="{D139431A-D57A-DA0E-E1EF-BE151BCED69D}"/>
               </a:ext>
             </a:extLst>
           </p:cNvPr>
@@ -6683,8 +5945,8 @@
         </p:nvSpPr>
         <p:spPr>
           <a:xfrm>
-            <a:off x="0" y="0"/>
-            <a:ext cx="12192000" cy="845127"/>
+            <a:off x="3895725" y="2533650"/>
+            <a:ext cx="4143376" cy="2219325"/>
           </a:xfrm>
           <a:prstGeom prst="rect">
             <a:avLst/>
@@ -6733,33 +5995,36 @@
               <a:tabLst/>
               <a:defRPr/>
             </a:pPr>
-            <a:endParaRPr kumimoji="0" lang="en-GB" sz="2800" b="1" i="0" u="none" strike="noStrike" kern="1200" cap="none" spc="0" normalizeH="0" baseline="0" noProof="0" dirty="0">
-              <a:ln>
-                <a:noFill/>
-              </a:ln>
-              <a:solidFill>
-                <a:prstClr val="black"/>
-              </a:solidFill>
-              <a:effectLst/>
-              <a:uLnTx/>
-              <a:uFillTx/>
-              <a:latin typeface="Segoe UI" panose="020B0502040204020203" pitchFamily="34" charset="0"/>
-              <a:cs typeface="Segoe UI" panose="020B0502040204020203" pitchFamily="34" charset="0"/>
-            </a:endParaRPr>
+            <a:r>
+              <a:rPr kumimoji="0" lang="en-GB" sz="2800" b="1" i="0" u="none" strike="noStrike" kern="1200" cap="none" spc="0" normalizeH="0" baseline="0" noProof="0" dirty="0">
+                <a:ln>
+                  <a:noFill/>
+                </a:ln>
+                <a:solidFill>
+                  <a:prstClr val="black"/>
+                </a:solidFill>
+                <a:effectLst/>
+                <a:uLnTx/>
+                <a:uFillTx/>
+                <a:latin typeface="Segoe UI" panose="020B0502040204020203" pitchFamily="34" charset="0"/>
+                <a:cs typeface="Segoe UI" panose="020B0502040204020203" pitchFamily="34" charset="0"/>
+              </a:rPr>
+              <a:t>Thank you for listening</a:t>
+            </a:r>
           </a:p>
         </p:txBody>
       </p:sp>
       <p:pic>
         <p:nvPicPr>
-          <p:cNvPr id="3" name="Picture 2">
-            <a:extLst>
-              <a:ext uri="{FF2B5EF4-FFF2-40B4-BE49-F238E27FC236}">
-                <a16:creationId xmlns:a16="http://schemas.microsoft.com/office/drawing/2014/main" id="{B76A6605-5759-E824-10D8-32514E0DFF9D}"/>
+          <p:cNvPr id="2050" name="Picture 2" descr="Thank You For Listening - YouTube">
+            <a:extLst>
+              <a:ext uri="{FF2B5EF4-FFF2-40B4-BE49-F238E27FC236}">
+                <a16:creationId xmlns:a16="http://schemas.microsoft.com/office/drawing/2014/main" id="{309A6E99-3E49-339C-5617-76C0E0998074}"/>
               </a:ext>
             </a:extLst>
           </p:cNvPr>
           <p:cNvPicPr>
-            <a:picLocks noChangeAspect="1"/>
+            <a:picLocks noChangeAspect="1" noChangeArrowheads="1"/>
           </p:cNvPicPr>
           <p:nvPr/>
         </p:nvPicPr>
@@ -6771,824 +6036,35 @@
               </a:ext>
             </a:extLst>
           </a:blip>
-          <a:srcRect t="41528" b="54166"/>
-          <a:stretch/>
+          <a:srcRect/>
+          <a:stretch>
+            <a:fillRect/>
+          </a:stretch>
         </p:blipFill>
-        <p:spPr>
+        <p:spPr bwMode="auto">
           <a:xfrm>
-            <a:off x="0" y="2847975"/>
-            <a:ext cx="12192000" cy="295276"/>
-          </a:xfrm>
-          <a:prstGeom prst="rect">
-            <a:avLst/>
-          </a:prstGeom>
-        </p:spPr>
-      </p:pic>
-      <p:sp>
-        <p:nvSpPr>
-          <p:cNvPr id="5" name="TextBox 4">
-            <a:extLst>
-              <a:ext uri="{FF2B5EF4-FFF2-40B4-BE49-F238E27FC236}">
-                <a16:creationId xmlns:a16="http://schemas.microsoft.com/office/drawing/2014/main" id="{449E73B9-A66C-3F3C-2F7B-23CD66B651E8}"/>
-              </a:ext>
-            </a:extLst>
-          </p:cNvPr>
-          <p:cNvSpPr txBox="1"/>
-          <p:nvPr/>
-        </p:nvSpPr>
-        <p:spPr>
-          <a:xfrm>
-            <a:off x="561975" y="5339834"/>
-            <a:ext cx="11630025" cy="369332"/>
+            <a:off x="0" y="1"/>
+            <a:ext cx="12192000" cy="6858000"/>
           </a:xfrm>
           <a:prstGeom prst="rect">
             <a:avLst/>
           </a:prstGeom>
           <a:noFill/>
-        </p:spPr>
-        <p:txBody>
-          <a:bodyPr wrap="square" rtlCol="0">
-            <a:spAutoFit/>
-          </a:bodyPr>
-          <a:lstStyle/>
-          <a:p>
-            <a:r>
-              <a:rPr lang="en-GB">
-                <a:latin typeface="Segoe UI" panose="020B0502040204020203" pitchFamily="34" charset="0"/>
-                <a:cs typeface="Segoe UI" panose="020B0502040204020203" pitchFamily="34" charset="0"/>
-              </a:rPr>
-              <a:t>Ideal for retention and cross-selling strategies.</a:t>
-            </a:r>
-            <a:endParaRPr lang="en-NG" dirty="0">
-              <a:latin typeface="Segoe UI" panose="020B0502040204020203" pitchFamily="34" charset="0"/>
-              <a:cs typeface="Segoe UI" panose="020B0502040204020203" pitchFamily="34" charset="0"/>
-            </a:endParaRPr>
-          </a:p>
-        </p:txBody>
-      </p:sp>
-      <p:sp>
-        <p:nvSpPr>
-          <p:cNvPr id="6" name="Rectangle 5">
-            <a:extLst>
-              <a:ext uri="{FF2B5EF4-FFF2-40B4-BE49-F238E27FC236}">
-                <a16:creationId xmlns:a16="http://schemas.microsoft.com/office/drawing/2014/main" id="{BEB0C93E-C982-3D10-F7D0-59AAE7057CCC}"/>
-              </a:ext>
-            </a:extLst>
-          </p:cNvPr>
-          <p:cNvSpPr/>
-          <p:nvPr/>
-        </p:nvSpPr>
-        <p:spPr>
-          <a:xfrm>
-            <a:off x="0" y="0"/>
-            <a:ext cx="12192000" cy="845127"/>
-          </a:xfrm>
-          <a:prstGeom prst="rect">
-            <a:avLst/>
-          </a:prstGeom>
-          <a:solidFill>
-            <a:schemeClr val="bg1">
-              <a:lumMod val="85000"/>
-            </a:schemeClr>
-          </a:solidFill>
-        </p:spPr>
-        <p:style>
-          <a:lnRef idx="2">
-            <a:schemeClr val="accent1">
-              <a:shade val="15000"/>
-            </a:schemeClr>
-          </a:lnRef>
-          <a:fillRef idx="1">
-            <a:schemeClr val="accent1"/>
-          </a:fillRef>
-          <a:effectRef idx="0">
-            <a:schemeClr val="accent1"/>
-          </a:effectRef>
-          <a:fontRef idx="minor">
-            <a:schemeClr val="lt1"/>
-          </a:fontRef>
-        </p:style>
-        <p:txBody>
-          <a:bodyPr rtlCol="0" anchor="ctr"/>
-          <a:lstStyle/>
-          <a:p>
-            <a:r>
-              <a:rPr lang="en-GB" sz="2800" b="1" dirty="0">
+          <a:extLst>
+            <a:ext uri="{909E8E84-426E-40DD-AFC4-6F175D3DCCD1}">
+              <a14:hiddenFill xmlns:a14="http://schemas.microsoft.com/office/drawing/2010/main">
                 <a:solidFill>
-                  <a:schemeClr val="tx1"/>
+                  <a:srgbClr val="FFFFFF"/>
                 </a:solidFill>
-                <a:latin typeface="Segoe UI" panose="020B0502040204020203" pitchFamily="34" charset="0"/>
-                <a:cs typeface="Segoe UI" panose="020B0502040204020203" pitchFamily="34" charset="0"/>
-              </a:rPr>
-              <a:t>Loyal Customers</a:t>
-            </a:r>
-            <a:endParaRPr lang="en-NG" sz="2800" b="1" dirty="0">
-              <a:solidFill>
-                <a:schemeClr val="tx1"/>
-              </a:solidFill>
-              <a:latin typeface="Segoe UI" panose="020B0502040204020203" pitchFamily="34" charset="0"/>
-              <a:cs typeface="Segoe UI" panose="020B0502040204020203" pitchFamily="34" charset="0"/>
-            </a:endParaRPr>
-          </a:p>
-        </p:txBody>
-      </p:sp>
-      <p:pic>
-        <p:nvPicPr>
-          <p:cNvPr id="7" name="Picture 6">
-            <a:extLst>
-              <a:ext uri="{FF2B5EF4-FFF2-40B4-BE49-F238E27FC236}">
-                <a16:creationId xmlns:a16="http://schemas.microsoft.com/office/drawing/2014/main" id="{BDB72EDC-4991-BC43-8005-2CB2FB5E406C}"/>
-              </a:ext>
-            </a:extLst>
-          </p:cNvPr>
-          <p:cNvPicPr>
-            <a:picLocks noChangeAspect="1"/>
-          </p:cNvPicPr>
-          <p:nvPr/>
-        </p:nvPicPr>
-        <p:blipFill>
-          <a:blip r:embed="rId2">
-            <a:extLst>
-              <a:ext uri="{28A0092B-C50C-407E-A947-70E740481C1C}">
-                <a14:useLocalDpi xmlns:a14="http://schemas.microsoft.com/office/drawing/2010/main" val="0"/>
-              </a:ext>
-            </a:extLst>
-          </a:blip>
-          <a:srcRect l="6953" t="27084" r="6720" b="66250"/>
-          <a:stretch/>
-        </p:blipFill>
-        <p:spPr>
-          <a:xfrm>
-            <a:off x="847725" y="1857374"/>
-            <a:ext cx="10525126" cy="457201"/>
-          </a:xfrm>
-          <a:prstGeom prst="rect">
-            <a:avLst/>
-          </a:prstGeom>
+              </a14:hiddenFill>
+            </a:ext>
+          </a:extLst>
         </p:spPr>
       </p:pic>
     </p:spTree>
     <p:extLst>
       <p:ext uri="{BB962C8B-B14F-4D97-AF65-F5344CB8AC3E}">
-        <p14:creationId xmlns:p14="http://schemas.microsoft.com/office/powerpoint/2010/main" val="3434465813"/>
-      </p:ext>
-    </p:extLst>
-  </p:cSld>
-  <p:clrMapOvr>
-    <a:masterClrMapping/>
-  </p:clrMapOvr>
-</p:sld>
-</file>
-
-<file path=ppt/slides/slide8.xml><?xml version="1.0" encoding="utf-8"?>
-<p:sld xmlns:a="http://schemas.openxmlformats.org/drawingml/2006/main" xmlns:r="http://schemas.openxmlformats.org/officeDocument/2006/relationships" xmlns:p="http://schemas.openxmlformats.org/presentationml/2006/main">
-  <p:cSld>
-    <p:spTree>
-      <p:nvGrpSpPr>
-        <p:cNvPr id="1" name="">
-          <a:extLst>
-            <a:ext uri="{FF2B5EF4-FFF2-40B4-BE49-F238E27FC236}">
-              <a16:creationId xmlns:a16="http://schemas.microsoft.com/office/drawing/2014/main" id="{8B4E17C5-7494-C61D-98D3-81D985B30227}"/>
-            </a:ext>
-          </a:extLst>
-        </p:cNvPr>
-        <p:cNvGrpSpPr/>
-        <p:nvPr/>
-      </p:nvGrpSpPr>
-      <p:grpSpPr>
-        <a:xfrm>
-          <a:off x="0" y="0"/>
-          <a:ext cx="0" cy="0"/>
-          <a:chOff x="0" y="0"/>
-          <a:chExt cx="0" cy="0"/>
-        </a:xfrm>
-      </p:grpSpPr>
-      <p:sp>
-        <p:nvSpPr>
-          <p:cNvPr id="4" name="Rectangle 3">
-            <a:extLst>
-              <a:ext uri="{FF2B5EF4-FFF2-40B4-BE49-F238E27FC236}">
-                <a16:creationId xmlns:a16="http://schemas.microsoft.com/office/drawing/2014/main" id="{4BEA2AF0-E91A-0B69-C26C-C53CECE473EB}"/>
-              </a:ext>
-            </a:extLst>
-          </p:cNvPr>
-          <p:cNvSpPr/>
-          <p:nvPr/>
-        </p:nvSpPr>
-        <p:spPr>
-          <a:xfrm>
-            <a:off x="0" y="0"/>
-            <a:ext cx="12192000" cy="845127"/>
-          </a:xfrm>
-          <a:prstGeom prst="rect">
-            <a:avLst/>
-          </a:prstGeom>
-          <a:solidFill>
-            <a:schemeClr val="bg2"/>
-          </a:solidFill>
-          <a:ln>
-            <a:noFill/>
-          </a:ln>
-        </p:spPr>
-        <p:style>
-          <a:lnRef idx="2">
-            <a:schemeClr val="accent1">
-              <a:shade val="15000"/>
-            </a:schemeClr>
-          </a:lnRef>
-          <a:fillRef idx="1">
-            <a:schemeClr val="accent1"/>
-          </a:fillRef>
-          <a:effectRef idx="0">
-            <a:schemeClr val="accent1"/>
-          </a:effectRef>
-          <a:fontRef idx="minor">
-            <a:schemeClr val="lt1"/>
-          </a:fontRef>
-        </p:style>
-        <p:txBody>
-          <a:bodyPr rtlCol="0" anchor="ctr"/>
-          <a:lstStyle/>
-          <a:p>
-            <a:pPr marL="0" marR="0" lvl="0" indent="0" algn="l" defTabSz="914400" rtl="0" eaLnBrk="1" fontAlgn="auto" latinLnBrk="0" hangingPunct="1">
-              <a:lnSpc>
-                <a:spcPct val="100000"/>
-              </a:lnSpc>
-              <a:spcBef>
-                <a:spcPts val="0"/>
-              </a:spcBef>
-              <a:spcAft>
-                <a:spcPts val="0"/>
-              </a:spcAft>
-              <a:buClrTx/>
-              <a:buSzTx/>
-              <a:buFontTx/>
-              <a:buNone/>
-              <a:tabLst/>
-              <a:defRPr/>
-            </a:pPr>
-            <a:endParaRPr kumimoji="0" lang="en-GB" sz="2800" b="1" i="0" u="none" strike="noStrike" kern="1200" cap="none" spc="0" normalizeH="0" baseline="0" noProof="0" dirty="0">
-              <a:ln>
-                <a:noFill/>
-              </a:ln>
-              <a:solidFill>
-                <a:prstClr val="black"/>
-              </a:solidFill>
-              <a:effectLst/>
-              <a:uLnTx/>
-              <a:uFillTx/>
-              <a:latin typeface="Segoe UI" panose="020B0502040204020203" pitchFamily="34" charset="0"/>
-              <a:cs typeface="Segoe UI" panose="020B0502040204020203" pitchFamily="34" charset="0"/>
-            </a:endParaRPr>
-          </a:p>
-        </p:txBody>
-      </p:sp>
-      <p:pic>
-        <p:nvPicPr>
-          <p:cNvPr id="3" name="Picture 2">
-            <a:extLst>
-              <a:ext uri="{FF2B5EF4-FFF2-40B4-BE49-F238E27FC236}">
-                <a16:creationId xmlns:a16="http://schemas.microsoft.com/office/drawing/2014/main" id="{EBE2580D-9BA7-D762-1A3C-A795DB3D436B}"/>
-              </a:ext>
-            </a:extLst>
-          </p:cNvPr>
-          <p:cNvPicPr>
-            <a:picLocks noChangeAspect="1"/>
-          </p:cNvPicPr>
-          <p:nvPr/>
-        </p:nvPicPr>
-        <p:blipFill>
-          <a:blip r:embed="rId2">
-            <a:extLst>
-              <a:ext uri="{28A0092B-C50C-407E-A947-70E740481C1C}">
-                <a14:useLocalDpi xmlns:a14="http://schemas.microsoft.com/office/drawing/2010/main" val="0"/>
-              </a:ext>
-            </a:extLst>
-          </a:blip>
-          <a:srcRect l="6953" t="37361" r="7265" b="58472"/>
-          <a:stretch/>
-        </p:blipFill>
-        <p:spPr>
-          <a:xfrm>
-            <a:off x="847725" y="2562225"/>
-            <a:ext cx="10458450" cy="285750"/>
-          </a:xfrm>
-          <a:prstGeom prst="rect">
-            <a:avLst/>
-          </a:prstGeom>
-        </p:spPr>
-      </p:pic>
-      <p:sp>
-        <p:nvSpPr>
-          <p:cNvPr id="5" name="TextBox 4">
-            <a:extLst>
-              <a:ext uri="{FF2B5EF4-FFF2-40B4-BE49-F238E27FC236}">
-                <a16:creationId xmlns:a16="http://schemas.microsoft.com/office/drawing/2014/main" id="{6729F968-29C1-47D9-B439-A21BF5D28DCE}"/>
-              </a:ext>
-            </a:extLst>
-          </p:cNvPr>
-          <p:cNvSpPr txBox="1"/>
-          <p:nvPr/>
-        </p:nvSpPr>
-        <p:spPr>
-          <a:xfrm>
-            <a:off x="561975" y="5339834"/>
-            <a:ext cx="11630025" cy="369332"/>
-          </a:xfrm>
-          <a:prstGeom prst="rect">
-            <a:avLst/>
-          </a:prstGeom>
-          <a:noFill/>
-        </p:spPr>
-        <p:txBody>
-          <a:bodyPr wrap="square" rtlCol="0">
-            <a:spAutoFit/>
-          </a:bodyPr>
-          <a:lstStyle/>
-          <a:p>
-            <a:r>
-              <a:rPr lang="en-GB" dirty="0">
-                <a:latin typeface="Segoe UI" panose="020B0502040204020203" pitchFamily="34" charset="0"/>
-                <a:cs typeface="Segoe UI" panose="020B0502040204020203" pitchFamily="34" charset="0"/>
-              </a:rPr>
-              <a:t>Significant opportunity for reactivation campaigns.</a:t>
-            </a:r>
-            <a:endParaRPr lang="en-NG" dirty="0">
-              <a:latin typeface="Segoe UI" panose="020B0502040204020203" pitchFamily="34" charset="0"/>
-              <a:cs typeface="Segoe UI" panose="020B0502040204020203" pitchFamily="34" charset="0"/>
-            </a:endParaRPr>
-          </a:p>
-        </p:txBody>
-      </p:sp>
-      <p:sp>
-        <p:nvSpPr>
-          <p:cNvPr id="6" name="Rectangle 5">
-            <a:extLst>
-              <a:ext uri="{FF2B5EF4-FFF2-40B4-BE49-F238E27FC236}">
-                <a16:creationId xmlns:a16="http://schemas.microsoft.com/office/drawing/2014/main" id="{BD93FFA0-70B7-9C3E-91AD-53BC7F16649B}"/>
-              </a:ext>
-            </a:extLst>
-          </p:cNvPr>
-          <p:cNvSpPr/>
-          <p:nvPr/>
-        </p:nvSpPr>
-        <p:spPr>
-          <a:xfrm>
-            <a:off x="0" y="0"/>
-            <a:ext cx="12192000" cy="845127"/>
-          </a:xfrm>
-          <a:prstGeom prst="rect">
-            <a:avLst/>
-          </a:prstGeom>
-          <a:solidFill>
-            <a:schemeClr val="bg1">
-              <a:lumMod val="85000"/>
-            </a:schemeClr>
-          </a:solidFill>
-        </p:spPr>
-        <p:style>
-          <a:lnRef idx="2">
-            <a:schemeClr val="accent1">
-              <a:shade val="15000"/>
-            </a:schemeClr>
-          </a:lnRef>
-          <a:fillRef idx="1">
-            <a:schemeClr val="accent1"/>
-          </a:fillRef>
-          <a:effectRef idx="0">
-            <a:schemeClr val="accent1"/>
-          </a:effectRef>
-          <a:fontRef idx="minor">
-            <a:schemeClr val="lt1"/>
-          </a:fontRef>
-        </p:style>
-        <p:txBody>
-          <a:bodyPr rtlCol="0" anchor="ctr"/>
-          <a:lstStyle/>
-          <a:p>
-            <a:r>
-              <a:rPr lang="en-GB" sz="2800" b="1" dirty="0">
-                <a:solidFill>
-                  <a:schemeClr val="tx1"/>
-                </a:solidFill>
-                <a:latin typeface="Segoe UI" panose="020B0502040204020203" pitchFamily="34" charset="0"/>
-                <a:cs typeface="Segoe UI" panose="020B0502040204020203" pitchFamily="34" charset="0"/>
-              </a:rPr>
-              <a:t>At Risk &amp; Can’t Lose Them</a:t>
-            </a:r>
-            <a:endParaRPr lang="en-NG" sz="2800" b="1" dirty="0">
-              <a:solidFill>
-                <a:schemeClr val="tx1"/>
-              </a:solidFill>
-              <a:latin typeface="Segoe UI" panose="020B0502040204020203" pitchFamily="34" charset="0"/>
-              <a:cs typeface="Segoe UI" panose="020B0502040204020203" pitchFamily="34" charset="0"/>
-            </a:endParaRPr>
-          </a:p>
-        </p:txBody>
-      </p:sp>
-      <p:pic>
-        <p:nvPicPr>
-          <p:cNvPr id="7" name="Picture 6">
-            <a:extLst>
-              <a:ext uri="{FF2B5EF4-FFF2-40B4-BE49-F238E27FC236}">
-                <a16:creationId xmlns:a16="http://schemas.microsoft.com/office/drawing/2014/main" id="{D5B9D4C4-840C-7993-7A28-ED23E902BB4E}"/>
-              </a:ext>
-            </a:extLst>
-          </p:cNvPr>
-          <p:cNvPicPr>
-            <a:picLocks noChangeAspect="1"/>
-          </p:cNvPicPr>
-          <p:nvPr/>
-        </p:nvPicPr>
-        <p:blipFill>
-          <a:blip r:embed="rId2">
-            <a:extLst>
-              <a:ext uri="{28A0092B-C50C-407E-A947-70E740481C1C}">
-                <a14:useLocalDpi xmlns:a14="http://schemas.microsoft.com/office/drawing/2010/main" val="0"/>
-              </a:ext>
-            </a:extLst>
-          </a:blip>
-          <a:srcRect l="6953" t="27084" r="6720" b="66250"/>
-          <a:stretch/>
-        </p:blipFill>
-        <p:spPr>
-          <a:xfrm>
-            <a:off x="847725" y="1857374"/>
-            <a:ext cx="10525126" cy="457201"/>
-          </a:xfrm>
-          <a:prstGeom prst="rect">
-            <a:avLst/>
-          </a:prstGeom>
-        </p:spPr>
-      </p:pic>
-      <p:pic>
-        <p:nvPicPr>
-          <p:cNvPr id="8" name="Picture 7">
-            <a:extLst>
-              <a:ext uri="{FF2B5EF4-FFF2-40B4-BE49-F238E27FC236}">
-                <a16:creationId xmlns:a16="http://schemas.microsoft.com/office/drawing/2014/main" id="{7E93C497-206A-577B-6AE6-B35789AF099D}"/>
-              </a:ext>
-            </a:extLst>
-          </p:cNvPr>
-          <p:cNvPicPr>
-            <a:picLocks noChangeAspect="1"/>
-          </p:cNvPicPr>
-          <p:nvPr/>
-        </p:nvPicPr>
-        <p:blipFill>
-          <a:blip r:embed="rId2">
-            <a:extLst>
-              <a:ext uri="{28A0092B-C50C-407E-A947-70E740481C1C}">
-                <a14:useLocalDpi xmlns:a14="http://schemas.microsoft.com/office/drawing/2010/main" val="0"/>
-              </a:ext>
-            </a:extLst>
-          </a:blip>
-          <a:srcRect l="7578" t="45833" r="6718" b="50000"/>
-          <a:stretch/>
-        </p:blipFill>
-        <p:spPr>
-          <a:xfrm>
-            <a:off x="923924" y="3143249"/>
-            <a:ext cx="10448927" cy="285750"/>
-          </a:xfrm>
-          <a:prstGeom prst="rect">
-            <a:avLst/>
-          </a:prstGeom>
-        </p:spPr>
-      </p:pic>
-    </p:spTree>
-    <p:extLst>
-      <p:ext uri="{BB962C8B-B14F-4D97-AF65-F5344CB8AC3E}">
-        <p14:creationId xmlns:p14="http://schemas.microsoft.com/office/powerpoint/2010/main" val="3540598855"/>
-      </p:ext>
-    </p:extLst>
-  </p:cSld>
-  <p:clrMapOvr>
-    <a:masterClrMapping/>
-  </p:clrMapOvr>
-</p:sld>
-</file>
-
-<file path=ppt/slides/slide9.xml><?xml version="1.0" encoding="utf-8"?>
-<p:sld xmlns:a="http://schemas.openxmlformats.org/drawingml/2006/main" xmlns:r="http://schemas.openxmlformats.org/officeDocument/2006/relationships" xmlns:p="http://schemas.openxmlformats.org/presentationml/2006/main">
-  <p:cSld>
-    <p:spTree>
-      <p:nvGrpSpPr>
-        <p:cNvPr id="1" name="">
-          <a:extLst>
-            <a:ext uri="{FF2B5EF4-FFF2-40B4-BE49-F238E27FC236}">
-              <a16:creationId xmlns:a16="http://schemas.microsoft.com/office/drawing/2014/main" id="{625D9367-C362-2C92-B0B4-C243300AB2ED}"/>
-            </a:ext>
-          </a:extLst>
-        </p:cNvPr>
-        <p:cNvGrpSpPr/>
-        <p:nvPr/>
-      </p:nvGrpSpPr>
-      <p:grpSpPr>
-        <a:xfrm>
-          <a:off x="0" y="0"/>
-          <a:ext cx="0" cy="0"/>
-          <a:chOff x="0" y="0"/>
-          <a:chExt cx="0" cy="0"/>
-        </a:xfrm>
-      </p:grpSpPr>
-      <p:sp>
-        <p:nvSpPr>
-          <p:cNvPr id="4" name="Rectangle 3">
-            <a:extLst>
-              <a:ext uri="{FF2B5EF4-FFF2-40B4-BE49-F238E27FC236}">
-                <a16:creationId xmlns:a16="http://schemas.microsoft.com/office/drawing/2014/main" id="{69D64E47-A84F-C381-B869-7A69153DC68B}"/>
-              </a:ext>
-            </a:extLst>
-          </p:cNvPr>
-          <p:cNvSpPr/>
-          <p:nvPr/>
-        </p:nvSpPr>
-        <p:spPr>
-          <a:xfrm>
-            <a:off x="0" y="0"/>
-            <a:ext cx="12192000" cy="845127"/>
-          </a:xfrm>
-          <a:prstGeom prst="rect">
-            <a:avLst/>
-          </a:prstGeom>
-          <a:solidFill>
-            <a:schemeClr val="bg2"/>
-          </a:solidFill>
-          <a:ln>
-            <a:noFill/>
-          </a:ln>
-        </p:spPr>
-        <p:style>
-          <a:lnRef idx="2">
-            <a:schemeClr val="accent1">
-              <a:shade val="15000"/>
-            </a:schemeClr>
-          </a:lnRef>
-          <a:fillRef idx="1">
-            <a:schemeClr val="accent1"/>
-          </a:fillRef>
-          <a:effectRef idx="0">
-            <a:schemeClr val="accent1"/>
-          </a:effectRef>
-          <a:fontRef idx="minor">
-            <a:schemeClr val="lt1"/>
-          </a:fontRef>
-        </p:style>
-        <p:txBody>
-          <a:bodyPr rtlCol="0" anchor="ctr"/>
-          <a:lstStyle/>
-          <a:p>
-            <a:pPr marL="0" marR="0" lvl="0" indent="0" algn="l" defTabSz="914400" rtl="0" eaLnBrk="1" fontAlgn="auto" latinLnBrk="0" hangingPunct="1">
-              <a:lnSpc>
-                <a:spcPct val="100000"/>
-              </a:lnSpc>
-              <a:spcBef>
-                <a:spcPts val="0"/>
-              </a:spcBef>
-              <a:spcAft>
-                <a:spcPts val="0"/>
-              </a:spcAft>
-              <a:buClrTx/>
-              <a:buSzTx/>
-              <a:buFontTx/>
-              <a:buNone/>
-              <a:tabLst/>
-              <a:defRPr/>
-            </a:pPr>
-            <a:endParaRPr kumimoji="0" lang="en-GB" sz="2800" b="1" i="0" u="none" strike="noStrike" kern="1200" cap="none" spc="0" normalizeH="0" baseline="0" noProof="0" dirty="0">
-              <a:ln>
-                <a:noFill/>
-              </a:ln>
-              <a:solidFill>
-                <a:prstClr val="black"/>
-              </a:solidFill>
-              <a:effectLst/>
-              <a:uLnTx/>
-              <a:uFillTx/>
-              <a:latin typeface="Segoe UI" panose="020B0502040204020203" pitchFamily="34" charset="0"/>
-              <a:cs typeface="Segoe UI" panose="020B0502040204020203" pitchFamily="34" charset="0"/>
-            </a:endParaRPr>
-          </a:p>
-        </p:txBody>
-      </p:sp>
-      <p:pic>
-        <p:nvPicPr>
-          <p:cNvPr id="3" name="Picture 2">
-            <a:extLst>
-              <a:ext uri="{FF2B5EF4-FFF2-40B4-BE49-F238E27FC236}">
-                <a16:creationId xmlns:a16="http://schemas.microsoft.com/office/drawing/2014/main" id="{5531BC76-56AB-41F1-A29C-FA71A595A842}"/>
-              </a:ext>
-            </a:extLst>
-          </p:cNvPr>
-          <p:cNvPicPr>
-            <a:picLocks noChangeAspect="1"/>
-          </p:cNvPicPr>
-          <p:nvPr/>
-        </p:nvPicPr>
-        <p:blipFill>
-          <a:blip r:embed="rId2">
-            <a:extLst>
-              <a:ext uri="{28A0092B-C50C-407E-A947-70E740481C1C}">
-                <a14:useLocalDpi xmlns:a14="http://schemas.microsoft.com/office/drawing/2010/main" val="0"/>
-              </a:ext>
-            </a:extLst>
-          </a:blip>
-          <a:srcRect l="7227" t="54354" r="6992" b="41479"/>
-          <a:stretch/>
-        </p:blipFill>
-        <p:spPr>
-          <a:xfrm>
-            <a:off x="881063" y="3727511"/>
-            <a:ext cx="10458450" cy="285750"/>
-          </a:xfrm>
-          <a:prstGeom prst="rect">
-            <a:avLst/>
-          </a:prstGeom>
-        </p:spPr>
-      </p:pic>
-      <p:sp>
-        <p:nvSpPr>
-          <p:cNvPr id="5" name="TextBox 4">
-            <a:extLst>
-              <a:ext uri="{FF2B5EF4-FFF2-40B4-BE49-F238E27FC236}">
-                <a16:creationId xmlns:a16="http://schemas.microsoft.com/office/drawing/2014/main" id="{5129F607-C828-4A28-6649-D96591B33DC8}"/>
-              </a:ext>
-            </a:extLst>
-          </p:cNvPr>
-          <p:cNvSpPr txBox="1"/>
-          <p:nvPr/>
-        </p:nvSpPr>
-        <p:spPr>
-          <a:xfrm>
-            <a:off x="561975" y="5426197"/>
-            <a:ext cx="11630025" cy="369332"/>
-          </a:xfrm>
-          <a:prstGeom prst="rect">
-            <a:avLst/>
-          </a:prstGeom>
-          <a:noFill/>
-        </p:spPr>
-        <p:txBody>
-          <a:bodyPr wrap="square" rtlCol="0">
-            <a:spAutoFit/>
-          </a:bodyPr>
-          <a:lstStyle/>
-          <a:p>
-            <a:r>
-              <a:rPr lang="en-GB" dirty="0">
-                <a:latin typeface="Segoe UI" panose="020B0502040204020203" pitchFamily="34" charset="0"/>
-                <a:cs typeface="Segoe UI" panose="020B0502040204020203" pitchFamily="34" charset="0"/>
-              </a:rPr>
-              <a:t>Requires targeted win-back strategies or gradual disengagement.</a:t>
-            </a:r>
-            <a:endParaRPr lang="en-NG" dirty="0">
-              <a:latin typeface="Segoe UI" panose="020B0502040204020203" pitchFamily="34" charset="0"/>
-              <a:cs typeface="Segoe UI" panose="020B0502040204020203" pitchFamily="34" charset="0"/>
-            </a:endParaRPr>
-          </a:p>
-        </p:txBody>
-      </p:sp>
-      <p:sp>
-        <p:nvSpPr>
-          <p:cNvPr id="6" name="Rectangle 5">
-            <a:extLst>
-              <a:ext uri="{FF2B5EF4-FFF2-40B4-BE49-F238E27FC236}">
-                <a16:creationId xmlns:a16="http://schemas.microsoft.com/office/drawing/2014/main" id="{E4E98985-131A-C14E-CBCD-9D3B3126B0E2}"/>
-              </a:ext>
-            </a:extLst>
-          </p:cNvPr>
-          <p:cNvSpPr/>
-          <p:nvPr/>
-        </p:nvSpPr>
-        <p:spPr>
-          <a:xfrm>
-            <a:off x="0" y="0"/>
-            <a:ext cx="12192000" cy="845127"/>
-          </a:xfrm>
-          <a:prstGeom prst="rect">
-            <a:avLst/>
-          </a:prstGeom>
-          <a:solidFill>
-            <a:schemeClr val="bg1">
-              <a:lumMod val="85000"/>
-            </a:schemeClr>
-          </a:solidFill>
-        </p:spPr>
-        <p:style>
-          <a:lnRef idx="2">
-            <a:schemeClr val="accent1">
-              <a:shade val="15000"/>
-            </a:schemeClr>
-          </a:lnRef>
-          <a:fillRef idx="1">
-            <a:schemeClr val="accent1"/>
-          </a:fillRef>
-          <a:effectRef idx="0">
-            <a:schemeClr val="accent1"/>
-          </a:effectRef>
-          <a:fontRef idx="minor">
-            <a:schemeClr val="lt1"/>
-          </a:fontRef>
-        </p:style>
-        <p:txBody>
-          <a:bodyPr rtlCol="0" anchor="ctr"/>
-          <a:lstStyle/>
-          <a:p>
-            <a:r>
-              <a:rPr lang="en-GB" sz="2800" b="1" dirty="0">
-                <a:solidFill>
-                  <a:schemeClr val="tx1"/>
-                </a:solidFill>
-                <a:latin typeface="Segoe UI" panose="020B0502040204020203" pitchFamily="34" charset="0"/>
-                <a:cs typeface="Segoe UI" panose="020B0502040204020203" pitchFamily="34" charset="0"/>
-              </a:rPr>
-              <a:t>Hibernating &amp; Lost</a:t>
-            </a:r>
-            <a:endParaRPr lang="en-NG" sz="2800" b="1" dirty="0">
-              <a:solidFill>
-                <a:schemeClr val="tx1"/>
-              </a:solidFill>
-              <a:latin typeface="Segoe UI" panose="020B0502040204020203" pitchFamily="34" charset="0"/>
-              <a:cs typeface="Segoe UI" panose="020B0502040204020203" pitchFamily="34" charset="0"/>
-            </a:endParaRPr>
-          </a:p>
-        </p:txBody>
-      </p:sp>
-      <p:pic>
-        <p:nvPicPr>
-          <p:cNvPr id="7" name="Picture 6">
-            <a:extLst>
-              <a:ext uri="{FF2B5EF4-FFF2-40B4-BE49-F238E27FC236}">
-                <a16:creationId xmlns:a16="http://schemas.microsoft.com/office/drawing/2014/main" id="{23E5B548-46EB-9C74-7C60-D23684FA5D16}"/>
-              </a:ext>
-            </a:extLst>
-          </p:cNvPr>
-          <p:cNvPicPr>
-            <a:picLocks noChangeAspect="1"/>
-          </p:cNvPicPr>
-          <p:nvPr/>
-        </p:nvPicPr>
-        <p:blipFill>
-          <a:blip r:embed="rId2">
-            <a:extLst>
-              <a:ext uri="{28A0092B-C50C-407E-A947-70E740481C1C}">
-                <a14:useLocalDpi xmlns:a14="http://schemas.microsoft.com/office/drawing/2010/main" val="0"/>
-              </a:ext>
-            </a:extLst>
-          </a:blip>
-          <a:srcRect l="6953" t="27084" r="6720" b="66250"/>
-          <a:stretch/>
-        </p:blipFill>
-        <p:spPr>
-          <a:xfrm>
-            <a:off x="847725" y="1857374"/>
-            <a:ext cx="10525126" cy="457201"/>
-          </a:xfrm>
-          <a:prstGeom prst="rect">
-            <a:avLst/>
-          </a:prstGeom>
-        </p:spPr>
-      </p:pic>
-      <p:pic>
-        <p:nvPicPr>
-          <p:cNvPr id="8" name="Picture 7">
-            <a:extLst>
-              <a:ext uri="{FF2B5EF4-FFF2-40B4-BE49-F238E27FC236}">
-                <a16:creationId xmlns:a16="http://schemas.microsoft.com/office/drawing/2014/main" id="{BC9EF6C5-ECB8-96B5-5DD4-83446C2D4B6E}"/>
-              </a:ext>
-            </a:extLst>
-          </p:cNvPr>
-          <p:cNvPicPr>
-            <a:picLocks noChangeAspect="1"/>
-          </p:cNvPicPr>
-          <p:nvPr/>
-        </p:nvPicPr>
-        <p:blipFill>
-          <a:blip r:embed="rId2">
-            <a:extLst>
-              <a:ext uri="{28A0092B-C50C-407E-A947-70E740481C1C}">
-                <a14:useLocalDpi xmlns:a14="http://schemas.microsoft.com/office/drawing/2010/main" val="0"/>
-              </a:ext>
-            </a:extLst>
-          </a:blip>
-          <a:srcRect l="7578" t="62806" r="12264" b="31808"/>
-          <a:stretch/>
-        </p:blipFill>
-        <p:spPr>
-          <a:xfrm>
-            <a:off x="923924" y="4307215"/>
-            <a:ext cx="9772651" cy="369332"/>
-          </a:xfrm>
-          <a:prstGeom prst="rect">
-            <a:avLst/>
-          </a:prstGeom>
-        </p:spPr>
-      </p:pic>
-    </p:spTree>
-    <p:extLst>
-      <p:ext uri="{BB962C8B-B14F-4D97-AF65-F5344CB8AC3E}">
-        <p14:creationId xmlns:p14="http://schemas.microsoft.com/office/powerpoint/2010/main" val="733818872"/>
+        <p14:creationId xmlns:p14="http://schemas.microsoft.com/office/powerpoint/2010/main" val="2626456393"/>
       </p:ext>
     </p:extLst>
   </p:cSld>
